--- a/ICML-2024-DPRM.pptx
+++ b/ICML-2024-DPRM.pptx
@@ -2,16 +2,16 @@
 <file path=ppt/presentation.xml><?xml version="1.0" encoding="utf-8"?>
 <p:presentation xmlns:a="http://schemas.openxmlformats.org/drawingml/2006/main" xmlns:r="http://schemas.openxmlformats.org/officeDocument/2006/relationships" xmlns:p="http://schemas.openxmlformats.org/presentationml/2006/main">
   <p:sldMasterIdLst>
-    <p:sldMasterId id="2147483651" r:id="rId1"/>
+    <p:sldMasterId id="2147483648" r:id="rId1"/>
   </p:sldMasterIdLst>
   <p:notesMasterIdLst>
-    <p:notesMasterId r:id="rId3"/>
+    <p:notesMasterId r:id="rId4"/>
   </p:notesMasterIdLst>
   <p:sldIdLst>
-    <p:sldId id="256" r:id="rId2"/>
+    <p:sldId id="256" r:id="rId3"/>
   </p:sldIdLst>
   <p:sldSz cx="21945600" cy="32918400"/>
-  <p:notesSz cx="7104063" cy="10234613"/>
+  <p:notesSz cx="7103745" cy="10234295"/>
   <p:defaultTextStyle>
     <a:defPPr>
       <a:defRPr lang="en-US"/>
@@ -107,11 +107,6 @@
       </a:defRPr>
     </a:lvl9pPr>
   </p:defaultTextStyle>
-  <p:extLst>
-    <p:ext uri="{EFAFB233-063F-42B5-8137-9DF3F51BA10A}">
-      <p15:sldGuideLst xmlns:p15="http://schemas.microsoft.com/office/powerpoint/2012/main"/>
-    </p:ext>
-  </p:extLst>
 </p:presentation>
 </file>
 
@@ -159,9 +154,7 @@
         <p:txBody>
           <a:bodyPr lIns="99075" tIns="49538" rIns="99075" bIns="49538"/>
           <a:lstStyle/>
-          <a:p>
-            <a:endParaRPr/>
-          </a:p>
+          <a:p/>
         </p:txBody>
       </p:sp>
       <p:sp>
@@ -186,81 +179,79 @@
         <p:txBody>
           <a:bodyPr lIns="99075" tIns="49538" rIns="99075" bIns="49538"/>
           <a:lstStyle/>
-          <a:p>
-            <a:endParaRPr/>
-          </a:p>
+          <a:p/>
         </p:txBody>
       </p:sp>
     </p:spTree>
   </p:cSld>
   <p:clrMap bg1="lt1" tx1="dk1" bg2="lt2" tx2="dk2" accent1="accent1" accent2="accent2" accent3="accent3" accent4="accent4" accent5="accent5" accent6="accent6" hlink="hlink" folHlink="folHlink"/>
   <p:notesStyle>
-    <a:lvl1pPr defTabSz="2632291" latinLnBrk="0">
-      <a:defRPr sz="3399">
+    <a:lvl1pPr defTabSz="2632075" latinLnBrk="0">
+      <a:defRPr sz="3400">
         <a:latin typeface="+mn-lt"/>
         <a:ea typeface="+mn-ea"/>
         <a:cs typeface="+mn-cs"/>
         <a:sym typeface="Calibri" panose="020F0502020204030204"/>
       </a:defRPr>
     </a:lvl1pPr>
-    <a:lvl2pPr indent="228508" defTabSz="2632291" latinLnBrk="0">
-      <a:defRPr sz="3399">
+    <a:lvl2pPr indent="228600" defTabSz="2632075" latinLnBrk="0">
+      <a:defRPr sz="3400">
         <a:latin typeface="+mn-lt"/>
         <a:ea typeface="+mn-ea"/>
         <a:cs typeface="+mn-cs"/>
         <a:sym typeface="Calibri" panose="020F0502020204030204"/>
       </a:defRPr>
     </a:lvl2pPr>
-    <a:lvl3pPr indent="457016" defTabSz="2632291" latinLnBrk="0">
-      <a:defRPr sz="3399">
+    <a:lvl3pPr indent="457200" defTabSz="2632075" latinLnBrk="0">
+      <a:defRPr sz="3400">
         <a:latin typeface="+mn-lt"/>
         <a:ea typeface="+mn-ea"/>
         <a:cs typeface="+mn-cs"/>
         <a:sym typeface="Calibri" panose="020F0502020204030204"/>
       </a:defRPr>
     </a:lvl3pPr>
-    <a:lvl4pPr indent="685524" defTabSz="2632291" latinLnBrk="0">
-      <a:defRPr sz="3399">
+    <a:lvl4pPr indent="685800" defTabSz="2632075" latinLnBrk="0">
+      <a:defRPr sz="3400">
         <a:latin typeface="+mn-lt"/>
         <a:ea typeface="+mn-ea"/>
         <a:cs typeface="+mn-cs"/>
         <a:sym typeface="Calibri" panose="020F0502020204030204"/>
       </a:defRPr>
     </a:lvl4pPr>
-    <a:lvl5pPr indent="914032" defTabSz="2632291" latinLnBrk="0">
-      <a:defRPr sz="3399">
+    <a:lvl5pPr indent="913765" defTabSz="2632075" latinLnBrk="0">
+      <a:defRPr sz="3400">
         <a:latin typeface="+mn-lt"/>
         <a:ea typeface="+mn-ea"/>
         <a:cs typeface="+mn-cs"/>
         <a:sym typeface="Calibri" panose="020F0502020204030204"/>
       </a:defRPr>
     </a:lvl5pPr>
-    <a:lvl6pPr indent="1142546" defTabSz="2632291" latinLnBrk="0">
-      <a:defRPr sz="3399">
+    <a:lvl6pPr indent="1142365" defTabSz="2632075" latinLnBrk="0">
+      <a:defRPr sz="3400">
         <a:latin typeface="+mn-lt"/>
         <a:ea typeface="+mn-ea"/>
         <a:cs typeface="+mn-cs"/>
         <a:sym typeface="Calibri" panose="020F0502020204030204"/>
       </a:defRPr>
     </a:lvl6pPr>
-    <a:lvl7pPr indent="1371054" defTabSz="2632291" latinLnBrk="0">
-      <a:defRPr sz="3399">
+    <a:lvl7pPr indent="1370965" defTabSz="2632075" latinLnBrk="0">
+      <a:defRPr sz="3400">
         <a:latin typeface="+mn-lt"/>
         <a:ea typeface="+mn-ea"/>
         <a:cs typeface="+mn-cs"/>
         <a:sym typeface="Calibri" panose="020F0502020204030204"/>
       </a:defRPr>
     </a:lvl7pPr>
-    <a:lvl8pPr indent="1599562" defTabSz="2632291" latinLnBrk="0">
-      <a:defRPr sz="3399">
+    <a:lvl8pPr indent="1599565" defTabSz="2632075" latinLnBrk="0">
+      <a:defRPr sz="3400">
         <a:latin typeface="+mn-lt"/>
         <a:ea typeface="+mn-ea"/>
         <a:cs typeface="+mn-cs"/>
         <a:sym typeface="Calibri" panose="020F0502020204030204"/>
       </a:defRPr>
     </a:lvl8pPr>
-    <a:lvl9pPr indent="1828070" defTabSz="2632291" latinLnBrk="0">
-      <a:defRPr sz="3399">
+    <a:lvl9pPr indent="1828165" defTabSz="2632075" latinLnBrk="0">
+      <a:defRPr sz="3400">
         <a:latin typeface="+mn-lt"/>
         <a:ea typeface="+mn-ea"/>
         <a:cs typeface="+mn-cs"/>
@@ -463,7 +454,6 @@
           <a:p>
             <a:fld id="{C764DE79-268F-4C1A-8933-263129D2AF90}" type="datetimeFigureOut">
               <a:rPr lang="en-US" dirty="0"/>
-              <a:t>7/13/2024</a:t>
             </a:fld>
             <a:endParaRPr lang="en-US" dirty="0"/>
           </a:p>
@@ -505,18 +495,12 @@
           <a:p>
             <a:fld id="{86CB4B4D-7CA3-9044-876B-883B54F8677D}" type="slidenum">
               <a:rPr lang="en-SG" smtClean="0"/>
-              <a:t>‹#›</a:t>
             </a:fld>
             <a:endParaRPr lang="en-SG"/>
           </a:p>
         </p:txBody>
       </p:sp>
     </p:spTree>
-    <p:extLst>
-      <p:ext uri="{BB962C8B-B14F-4D97-AF65-F5344CB8AC3E}">
-        <p14:creationId xmlns:p14="http://schemas.microsoft.com/office/powerpoint/2010/main" val="2899351328"/>
-      </p:ext>
-    </p:extLst>
   </p:cSld>
   <p:clrMapOvr>
     <a:masterClrMapping/>
@@ -584,6 +568,7 @@
               <a:rPr lang="en-US"/>
               <a:t>Edit Master text styles</a:t>
             </a:r>
+            <a:endParaRPr lang="en-US"/>
           </a:p>
           <a:p>
             <a:pPr lvl="1"/>
@@ -591,6 +576,7 @@
               <a:rPr lang="en-US"/>
               <a:t>Second level</a:t>
             </a:r>
+            <a:endParaRPr lang="en-US"/>
           </a:p>
           <a:p>
             <a:pPr lvl="2"/>
@@ -598,6 +584,7 @@
               <a:rPr lang="en-US"/>
               <a:t>Third level</a:t>
             </a:r>
+            <a:endParaRPr lang="en-US"/>
           </a:p>
           <a:p>
             <a:pPr lvl="3"/>
@@ -605,6 +592,7 @@
               <a:rPr lang="en-US"/>
               <a:t>Fourth level</a:t>
             </a:r>
+            <a:endParaRPr lang="en-US"/>
           </a:p>
           <a:p>
             <a:pPr lvl="4"/>
@@ -633,7 +621,6 @@
           <a:p>
             <a:fld id="{C764DE79-268F-4C1A-8933-263129D2AF90}" type="datetimeFigureOut">
               <a:rPr lang="en-US" dirty="0"/>
-              <a:t>7/13/2024</a:t>
             </a:fld>
             <a:endParaRPr lang="en-US" dirty="0"/>
           </a:p>
@@ -675,18 +662,12 @@
           <a:p>
             <a:fld id="{86CB4B4D-7CA3-9044-876B-883B54F8677D}" type="slidenum">
               <a:rPr lang="en-SG" smtClean="0"/>
-              <a:t>‹#›</a:t>
             </a:fld>
             <a:endParaRPr lang="en-SG"/>
           </a:p>
         </p:txBody>
       </p:sp>
     </p:spTree>
-    <p:extLst>
-      <p:ext uri="{BB962C8B-B14F-4D97-AF65-F5344CB8AC3E}">
-        <p14:creationId xmlns:p14="http://schemas.microsoft.com/office/powerpoint/2010/main" val="2422742123"/>
-      </p:ext>
-    </p:extLst>
   </p:cSld>
   <p:clrMapOvr>
     <a:masterClrMapping/>
@@ -764,6 +745,7 @@
               <a:rPr lang="en-US"/>
               <a:t>Edit Master text styles</a:t>
             </a:r>
+            <a:endParaRPr lang="en-US"/>
           </a:p>
           <a:p>
             <a:pPr lvl="1"/>
@@ -771,6 +753,7 @@
               <a:rPr lang="en-US"/>
               <a:t>Second level</a:t>
             </a:r>
+            <a:endParaRPr lang="en-US"/>
           </a:p>
           <a:p>
             <a:pPr lvl="2"/>
@@ -778,6 +761,7 @@
               <a:rPr lang="en-US"/>
               <a:t>Third level</a:t>
             </a:r>
+            <a:endParaRPr lang="en-US"/>
           </a:p>
           <a:p>
             <a:pPr lvl="3"/>
@@ -785,6 +769,7 @@
               <a:rPr lang="en-US"/>
               <a:t>Fourth level</a:t>
             </a:r>
+            <a:endParaRPr lang="en-US"/>
           </a:p>
           <a:p>
             <a:pPr lvl="4"/>
@@ -813,7 +798,6 @@
           <a:p>
             <a:fld id="{C764DE79-268F-4C1A-8933-263129D2AF90}" type="datetimeFigureOut">
               <a:rPr lang="en-US" dirty="0"/>
-              <a:t>7/13/2024</a:t>
             </a:fld>
             <a:endParaRPr lang="en-US" dirty="0"/>
           </a:p>
@@ -855,18 +839,12 @@
           <a:p>
             <a:fld id="{86CB4B4D-7CA3-9044-876B-883B54F8677D}" type="slidenum">
               <a:rPr lang="en-SG" smtClean="0"/>
-              <a:t>‹#›</a:t>
             </a:fld>
             <a:endParaRPr lang="en-SG"/>
           </a:p>
         </p:txBody>
       </p:sp>
     </p:spTree>
-    <p:extLst>
-      <p:ext uri="{BB962C8B-B14F-4D97-AF65-F5344CB8AC3E}">
-        <p14:creationId xmlns:p14="http://schemas.microsoft.com/office/powerpoint/2010/main" val="307981469"/>
-      </p:ext>
-    </p:extLst>
   </p:cSld>
   <p:clrMapOvr>
     <a:masterClrMapping/>
@@ -912,18 +890,12 @@
           <a:p>
             <a:fld id="{86CB4B4D-7CA3-9044-876B-883B54F8677D}" type="slidenum">
               <a:rPr/>
-              <a:t>‹#›</a:t>
             </a:fld>
             <a:endParaRPr/>
           </a:p>
         </p:txBody>
       </p:sp>
     </p:spTree>
-    <p:extLst>
-      <p:ext uri="{BB962C8B-B14F-4D97-AF65-F5344CB8AC3E}">
-        <p14:creationId xmlns:p14="http://schemas.microsoft.com/office/powerpoint/2010/main" val="3781937351"/>
-      </p:ext>
-    </p:extLst>
   </p:cSld>
   <p:clrMapOvr>
     <a:masterClrMapping/>
@@ -992,6 +964,7 @@
               <a:rPr lang="en-US"/>
               <a:t>Edit Master text styles</a:t>
             </a:r>
+            <a:endParaRPr lang="en-US"/>
           </a:p>
           <a:p>
             <a:pPr lvl="1"/>
@@ -999,6 +972,7 @@
               <a:rPr lang="en-US"/>
               <a:t>Second level</a:t>
             </a:r>
+            <a:endParaRPr lang="en-US"/>
           </a:p>
           <a:p>
             <a:pPr lvl="2"/>
@@ -1006,6 +980,7 @@
               <a:rPr lang="en-US"/>
               <a:t>Third level</a:t>
             </a:r>
+            <a:endParaRPr lang="en-US"/>
           </a:p>
           <a:p>
             <a:pPr lvl="3"/>
@@ -1013,6 +988,7 @@
               <a:rPr lang="en-US"/>
               <a:t>Fourth level</a:t>
             </a:r>
+            <a:endParaRPr lang="en-US"/>
           </a:p>
           <a:p>
             <a:pPr lvl="4"/>
@@ -1041,7 +1017,6 @@
           <a:p>
             <a:fld id="{C764DE79-268F-4C1A-8933-263129D2AF90}" type="datetimeFigureOut">
               <a:rPr lang="en-US" dirty="0"/>
-              <a:t>7/13/2024</a:t>
             </a:fld>
             <a:endParaRPr lang="en-US" dirty="0"/>
           </a:p>
@@ -1083,18 +1058,12 @@
           <a:p>
             <a:fld id="{86CB4B4D-7CA3-9044-876B-883B54F8677D}" type="slidenum">
               <a:rPr lang="en-SG" smtClean="0"/>
-              <a:t>‹#›</a:t>
             </a:fld>
             <a:endParaRPr lang="en-SG"/>
           </a:p>
         </p:txBody>
       </p:sp>
     </p:spTree>
-    <p:extLst>
-      <p:ext uri="{BB962C8B-B14F-4D97-AF65-F5344CB8AC3E}">
-        <p14:creationId xmlns:p14="http://schemas.microsoft.com/office/powerpoint/2010/main" val="3829990129"/>
-      </p:ext>
-    </p:extLst>
   </p:cSld>
   <p:clrMapOvr>
     <a:masterClrMapping/>
@@ -1265,6 +1234,7 @@
               <a:rPr lang="en-US"/>
               <a:t>Edit Master text styles</a:t>
             </a:r>
+            <a:endParaRPr lang="en-US"/>
           </a:p>
         </p:txBody>
       </p:sp>
@@ -1285,7 +1255,6 @@
           <a:p>
             <a:fld id="{C764DE79-268F-4C1A-8933-263129D2AF90}" type="datetimeFigureOut">
               <a:rPr lang="en-US" dirty="0"/>
-              <a:t>7/13/2024</a:t>
             </a:fld>
             <a:endParaRPr lang="en-US" dirty="0"/>
           </a:p>
@@ -1327,18 +1296,12 @@
           <a:p>
             <a:fld id="{86CB4B4D-7CA3-9044-876B-883B54F8677D}" type="slidenum">
               <a:rPr lang="en-SG" smtClean="0"/>
-              <a:t>‹#›</a:t>
             </a:fld>
             <a:endParaRPr lang="en-SG"/>
           </a:p>
         </p:txBody>
       </p:sp>
     </p:spTree>
-    <p:extLst>
-      <p:ext uri="{BB962C8B-B14F-4D97-AF65-F5344CB8AC3E}">
-        <p14:creationId xmlns:p14="http://schemas.microsoft.com/office/powerpoint/2010/main" val="3553769210"/>
-      </p:ext>
-    </p:extLst>
   </p:cSld>
   <p:clrMapOvr>
     <a:masterClrMapping/>
@@ -1411,6 +1374,7 @@
               <a:rPr lang="en-US"/>
               <a:t>Edit Master text styles</a:t>
             </a:r>
+            <a:endParaRPr lang="en-US"/>
           </a:p>
           <a:p>
             <a:pPr lvl="1"/>
@@ -1418,6 +1382,7 @@
               <a:rPr lang="en-US"/>
               <a:t>Second level</a:t>
             </a:r>
+            <a:endParaRPr lang="en-US"/>
           </a:p>
           <a:p>
             <a:pPr lvl="2"/>
@@ -1425,6 +1390,7 @@
               <a:rPr lang="en-US"/>
               <a:t>Third level</a:t>
             </a:r>
+            <a:endParaRPr lang="en-US"/>
           </a:p>
           <a:p>
             <a:pPr lvl="3"/>
@@ -1432,6 +1398,7 @@
               <a:rPr lang="en-US"/>
               <a:t>Fourth level</a:t>
             </a:r>
+            <a:endParaRPr lang="en-US"/>
           </a:p>
           <a:p>
             <a:pPr lvl="4"/>
@@ -1468,6 +1435,7 @@
               <a:rPr lang="en-US"/>
               <a:t>Edit Master text styles</a:t>
             </a:r>
+            <a:endParaRPr lang="en-US"/>
           </a:p>
           <a:p>
             <a:pPr lvl="1"/>
@@ -1475,6 +1443,7 @@
               <a:rPr lang="en-US"/>
               <a:t>Second level</a:t>
             </a:r>
+            <a:endParaRPr lang="en-US"/>
           </a:p>
           <a:p>
             <a:pPr lvl="2"/>
@@ -1482,6 +1451,7 @@
               <a:rPr lang="en-US"/>
               <a:t>Third level</a:t>
             </a:r>
+            <a:endParaRPr lang="en-US"/>
           </a:p>
           <a:p>
             <a:pPr lvl="3"/>
@@ -1489,6 +1459,7 @@
               <a:rPr lang="en-US"/>
               <a:t>Fourth level</a:t>
             </a:r>
+            <a:endParaRPr lang="en-US"/>
           </a:p>
           <a:p>
             <a:pPr lvl="4"/>
@@ -1517,7 +1488,6 @@
           <a:p>
             <a:fld id="{C764DE79-268F-4C1A-8933-263129D2AF90}" type="datetimeFigureOut">
               <a:rPr lang="en-US" dirty="0"/>
-              <a:t>7/13/2024</a:t>
             </a:fld>
             <a:endParaRPr lang="en-US" dirty="0"/>
           </a:p>
@@ -1559,18 +1529,12 @@
           <a:p>
             <a:fld id="{86CB4B4D-7CA3-9044-876B-883B54F8677D}" type="slidenum">
               <a:rPr lang="en-SG" smtClean="0"/>
-              <a:t>‹#›</a:t>
             </a:fld>
             <a:endParaRPr lang="en-SG"/>
           </a:p>
         </p:txBody>
       </p:sp>
     </p:spTree>
-    <p:extLst>
-      <p:ext uri="{BB962C8B-B14F-4D97-AF65-F5344CB8AC3E}">
-        <p14:creationId xmlns:p14="http://schemas.microsoft.com/office/powerpoint/2010/main" val="2320761298"/>
-      </p:ext>
-    </p:extLst>
   </p:cSld>
   <p:clrMapOvr>
     <a:masterClrMapping/>
@@ -1685,6 +1649,7 @@
               <a:rPr lang="en-US"/>
               <a:t>Edit Master text styles</a:t>
             </a:r>
+            <a:endParaRPr lang="en-US"/>
           </a:p>
         </p:txBody>
       </p:sp>
@@ -1713,6 +1678,7 @@
               <a:rPr lang="en-US"/>
               <a:t>Edit Master text styles</a:t>
             </a:r>
+            <a:endParaRPr lang="en-US"/>
           </a:p>
           <a:p>
             <a:pPr lvl="1"/>
@@ -1720,6 +1686,7 @@
               <a:rPr lang="en-US"/>
               <a:t>Second level</a:t>
             </a:r>
+            <a:endParaRPr lang="en-US"/>
           </a:p>
           <a:p>
             <a:pPr lvl="2"/>
@@ -1727,6 +1694,7 @@
               <a:rPr lang="en-US"/>
               <a:t>Third level</a:t>
             </a:r>
+            <a:endParaRPr lang="en-US"/>
           </a:p>
           <a:p>
             <a:pPr lvl="3"/>
@@ -1734,6 +1702,7 @@
               <a:rPr lang="en-US"/>
               <a:t>Fourth level</a:t>
             </a:r>
+            <a:endParaRPr lang="en-US"/>
           </a:p>
           <a:p>
             <a:pPr lvl="4"/>
@@ -1807,6 +1776,7 @@
               <a:rPr lang="en-US"/>
               <a:t>Edit Master text styles</a:t>
             </a:r>
+            <a:endParaRPr lang="en-US"/>
           </a:p>
         </p:txBody>
       </p:sp>
@@ -1835,6 +1805,7 @@
               <a:rPr lang="en-US"/>
               <a:t>Edit Master text styles</a:t>
             </a:r>
+            <a:endParaRPr lang="en-US"/>
           </a:p>
           <a:p>
             <a:pPr lvl="1"/>
@@ -1842,6 +1813,7 @@
               <a:rPr lang="en-US"/>
               <a:t>Second level</a:t>
             </a:r>
+            <a:endParaRPr lang="en-US"/>
           </a:p>
           <a:p>
             <a:pPr lvl="2"/>
@@ -1849,6 +1821,7 @@
               <a:rPr lang="en-US"/>
               <a:t>Third level</a:t>
             </a:r>
+            <a:endParaRPr lang="en-US"/>
           </a:p>
           <a:p>
             <a:pPr lvl="3"/>
@@ -1856,6 +1829,7 @@
               <a:rPr lang="en-US"/>
               <a:t>Fourth level</a:t>
             </a:r>
+            <a:endParaRPr lang="en-US"/>
           </a:p>
           <a:p>
             <a:pPr lvl="4"/>
@@ -1884,7 +1858,6 @@
           <a:p>
             <a:fld id="{C764DE79-268F-4C1A-8933-263129D2AF90}" type="datetimeFigureOut">
               <a:rPr lang="en-US" dirty="0"/>
-              <a:t>7/13/2024</a:t>
             </a:fld>
             <a:endParaRPr lang="en-US" dirty="0"/>
           </a:p>
@@ -1926,18 +1899,12 @@
           <a:p>
             <a:fld id="{86CB4B4D-7CA3-9044-876B-883B54F8677D}" type="slidenum">
               <a:rPr lang="en-SG" smtClean="0"/>
-              <a:t>‹#›</a:t>
             </a:fld>
             <a:endParaRPr lang="en-SG"/>
           </a:p>
         </p:txBody>
       </p:sp>
     </p:spTree>
-    <p:extLst>
-      <p:ext uri="{BB962C8B-B14F-4D97-AF65-F5344CB8AC3E}">
-        <p14:creationId xmlns:p14="http://schemas.microsoft.com/office/powerpoint/2010/main" val="1494948824"/>
-      </p:ext>
-    </p:extLst>
   </p:cSld>
   <p:clrMapOvr>
     <a:masterClrMapping/>
@@ -2002,7 +1969,6 @@
           <a:p>
             <a:fld id="{C764DE79-268F-4C1A-8933-263129D2AF90}" type="datetimeFigureOut">
               <a:rPr lang="en-US" dirty="0"/>
-              <a:t>7/13/2024</a:t>
             </a:fld>
             <a:endParaRPr lang="en-US" dirty="0"/>
           </a:p>
@@ -2044,18 +2010,12 @@
           <a:p>
             <a:fld id="{86CB4B4D-7CA3-9044-876B-883B54F8677D}" type="slidenum">
               <a:rPr lang="en-SG" smtClean="0"/>
-              <a:t>‹#›</a:t>
             </a:fld>
             <a:endParaRPr lang="en-SG"/>
           </a:p>
         </p:txBody>
       </p:sp>
     </p:spTree>
-    <p:extLst>
-      <p:ext uri="{BB962C8B-B14F-4D97-AF65-F5344CB8AC3E}">
-        <p14:creationId xmlns:p14="http://schemas.microsoft.com/office/powerpoint/2010/main" val="2860780959"/>
-      </p:ext>
-    </p:extLst>
   </p:cSld>
   <p:clrMapOvr>
     <a:masterClrMapping/>
@@ -2097,7 +2057,6 @@
           <a:p>
             <a:fld id="{C764DE79-268F-4C1A-8933-263129D2AF90}" type="datetimeFigureOut">
               <a:rPr lang="en-US" dirty="0"/>
-              <a:t>7/13/2024</a:t>
             </a:fld>
             <a:endParaRPr lang="en-US" dirty="0"/>
           </a:p>
@@ -2139,18 +2098,12 @@
           <a:p>
             <a:fld id="{86CB4B4D-7CA3-9044-876B-883B54F8677D}" type="slidenum">
               <a:rPr lang="en-SG" smtClean="0"/>
-              <a:t>‹#›</a:t>
             </a:fld>
             <a:endParaRPr lang="en-SG"/>
           </a:p>
         </p:txBody>
       </p:sp>
     </p:spTree>
-    <p:extLst>
-      <p:ext uri="{BB962C8B-B14F-4D97-AF65-F5344CB8AC3E}">
-        <p14:creationId xmlns:p14="http://schemas.microsoft.com/office/powerpoint/2010/main" val="1602142368"/>
-      </p:ext>
-    </p:extLst>
   </p:cSld>
   <p:clrMapOvr>
     <a:masterClrMapping/>
@@ -2260,6 +2213,7 @@
               <a:rPr lang="en-US"/>
               <a:t>Edit Master text styles</a:t>
             </a:r>
+            <a:endParaRPr lang="en-US"/>
           </a:p>
           <a:p>
             <a:pPr lvl="1"/>
@@ -2267,6 +2221,7 @@
               <a:rPr lang="en-US"/>
               <a:t>Second level</a:t>
             </a:r>
+            <a:endParaRPr lang="en-US"/>
           </a:p>
           <a:p>
             <a:pPr lvl="2"/>
@@ -2274,6 +2229,7 @@
               <a:rPr lang="en-US"/>
               <a:t>Third level</a:t>
             </a:r>
+            <a:endParaRPr lang="en-US"/>
           </a:p>
           <a:p>
             <a:pPr lvl="3"/>
@@ -2281,6 +2237,7 @@
               <a:rPr lang="en-US"/>
               <a:t>Fourth level</a:t>
             </a:r>
+            <a:endParaRPr lang="en-US"/>
           </a:p>
           <a:p>
             <a:pPr lvl="4"/>
@@ -2354,6 +2311,7 @@
               <a:rPr lang="en-US"/>
               <a:t>Edit Master text styles</a:t>
             </a:r>
+            <a:endParaRPr lang="en-US"/>
           </a:p>
         </p:txBody>
       </p:sp>
@@ -2374,7 +2332,6 @@
           <a:p>
             <a:fld id="{C764DE79-268F-4C1A-8933-263129D2AF90}" type="datetimeFigureOut">
               <a:rPr lang="en-US" dirty="0"/>
-              <a:t>7/13/2024</a:t>
             </a:fld>
             <a:endParaRPr lang="en-US" dirty="0"/>
           </a:p>
@@ -2416,18 +2373,12 @@
           <a:p>
             <a:fld id="{86CB4B4D-7CA3-9044-876B-883B54F8677D}" type="slidenum">
               <a:rPr lang="en-SG" smtClean="0"/>
-              <a:t>‹#›</a:t>
             </a:fld>
             <a:endParaRPr lang="en-SG"/>
           </a:p>
         </p:txBody>
       </p:sp>
     </p:spTree>
-    <p:extLst>
-      <p:ext uri="{BB962C8B-B14F-4D97-AF65-F5344CB8AC3E}">
-        <p14:creationId xmlns:p14="http://schemas.microsoft.com/office/powerpoint/2010/main" val="3703015744"/>
-      </p:ext>
-    </p:extLst>
   </p:cSld>
   <p:clrMapOvr>
     <a:masterClrMapping/>
@@ -2611,6 +2562,7 @@
               <a:rPr lang="en-US"/>
               <a:t>Edit Master text styles</a:t>
             </a:r>
+            <a:endParaRPr lang="en-US"/>
           </a:p>
         </p:txBody>
       </p:sp>
@@ -2631,7 +2583,6 @@
           <a:p>
             <a:fld id="{C764DE79-268F-4C1A-8933-263129D2AF90}" type="datetimeFigureOut">
               <a:rPr lang="en-US" dirty="0"/>
-              <a:t>7/13/2024</a:t>
             </a:fld>
             <a:endParaRPr lang="en-US" dirty="0"/>
           </a:p>
@@ -2673,18 +2624,12 @@
           <a:p>
             <a:fld id="{86CB4B4D-7CA3-9044-876B-883B54F8677D}" type="slidenum">
               <a:rPr lang="en-SG" smtClean="0"/>
-              <a:t>‹#›</a:t>
             </a:fld>
             <a:endParaRPr lang="en-SG"/>
           </a:p>
         </p:txBody>
       </p:sp>
     </p:spTree>
-    <p:extLst>
-      <p:ext uri="{BB962C8B-B14F-4D97-AF65-F5344CB8AC3E}">
-        <p14:creationId xmlns:p14="http://schemas.microsoft.com/office/powerpoint/2010/main" val="2857603456"/>
-      </p:ext>
-    </p:extLst>
   </p:cSld>
   <p:clrMapOvr>
     <a:masterClrMapping/>
@@ -2777,6 +2722,7 @@
               <a:rPr lang="en-US"/>
               <a:t>Edit Master text styles</a:t>
             </a:r>
+            <a:endParaRPr lang="en-US"/>
           </a:p>
           <a:p>
             <a:pPr lvl="1"/>
@@ -2784,6 +2730,7 @@
               <a:rPr lang="en-US"/>
               <a:t>Second level</a:t>
             </a:r>
+            <a:endParaRPr lang="en-US"/>
           </a:p>
           <a:p>
             <a:pPr lvl="2"/>
@@ -2791,6 +2738,7 @@
               <a:rPr lang="en-US"/>
               <a:t>Third level</a:t>
             </a:r>
+            <a:endParaRPr lang="en-US"/>
           </a:p>
           <a:p>
             <a:pPr lvl="3"/>
@@ -2798,6 +2746,7 @@
               <a:rPr lang="en-US"/>
               <a:t>Fourth level</a:t>
             </a:r>
+            <a:endParaRPr lang="en-US"/>
           </a:p>
           <a:p>
             <a:pPr lvl="4"/>
@@ -2844,7 +2793,6 @@
           <a:p>
             <a:fld id="{C764DE79-268F-4C1A-8933-263129D2AF90}" type="datetimeFigureOut">
               <a:rPr lang="en-US" dirty="0"/>
-              <a:t>7/13/2024</a:t>
             </a:fld>
             <a:endParaRPr lang="en-US" dirty="0"/>
           </a:p>
@@ -2922,33 +2870,27 @@
           <a:p>
             <a:fld id="{86CB4B4D-7CA3-9044-876B-883B54F8677D}" type="slidenum">
               <a:rPr lang="en-SG" smtClean="0"/>
-              <a:t>‹#›</a:t>
             </a:fld>
             <a:endParaRPr lang="en-SG"/>
           </a:p>
         </p:txBody>
       </p:sp>
     </p:spTree>
-    <p:extLst>
-      <p:ext uri="{BB962C8B-B14F-4D97-AF65-F5344CB8AC3E}">
-        <p14:creationId xmlns:p14="http://schemas.microsoft.com/office/powerpoint/2010/main" val="2649505746"/>
-      </p:ext>
-    </p:extLst>
   </p:cSld>
   <p:clrMap bg1="lt1" tx1="dk1" bg2="lt2" tx2="dk2" accent1="accent1" accent2="accent2" accent3="accent3" accent4="accent4" accent5="accent5" accent6="accent6" hlink="hlink" folHlink="folHlink"/>
   <p:sldLayoutIdLst>
-    <p:sldLayoutId id="2147483652" r:id="rId1"/>
-    <p:sldLayoutId id="2147483653" r:id="rId2"/>
-    <p:sldLayoutId id="2147483654" r:id="rId3"/>
-    <p:sldLayoutId id="2147483655" r:id="rId4"/>
-    <p:sldLayoutId id="2147483656" r:id="rId5"/>
-    <p:sldLayoutId id="2147483657" r:id="rId6"/>
-    <p:sldLayoutId id="2147483658" r:id="rId7"/>
-    <p:sldLayoutId id="2147483659" r:id="rId8"/>
-    <p:sldLayoutId id="2147483660" r:id="rId9"/>
-    <p:sldLayoutId id="2147483661" r:id="rId10"/>
-    <p:sldLayoutId id="2147483662" r:id="rId11"/>
-    <p:sldLayoutId id="2147483663" r:id="rId12"/>
+    <p:sldLayoutId id="2147483649" r:id="rId1"/>
+    <p:sldLayoutId id="2147483650" r:id="rId2"/>
+    <p:sldLayoutId id="2147483651" r:id="rId3"/>
+    <p:sldLayoutId id="2147483652" r:id="rId4"/>
+    <p:sldLayoutId id="2147483653" r:id="rId5"/>
+    <p:sldLayoutId id="2147483654" r:id="rId6"/>
+    <p:sldLayoutId id="2147483655" r:id="rId7"/>
+    <p:sldLayoutId id="2147483656" r:id="rId8"/>
+    <p:sldLayoutId id="2147483657" r:id="rId9"/>
+    <p:sldLayoutId id="2147483658" r:id="rId10"/>
+    <p:sldLayoutId id="2147483659" r:id="rId11"/>
+    <p:sldLayoutId id="2147483660" r:id="rId12"/>
   </p:sldLayoutIdLst>
   <p:txStyles>
     <p:titleStyle>
@@ -3296,6 +3238,7 @@
               <a:rPr lang="en-SG" altLang="zh-CN" sz="4200" dirty="0"/>
               <a:t>Aligning Crowd Feedback via Distributional Preference Reward modelling</a:t>
             </a:r>
+            <a:endParaRPr lang="en-SG" altLang="zh-CN" sz="4200" dirty="0"/>
           </a:p>
         </p:txBody>
       </p:sp>
@@ -3364,6 +3307,7 @@
               <a:rPr lang="en-US" dirty="0"/>
               <a:t>Contributions</a:t>
             </a:r>
+            <a:endParaRPr lang="en-US" dirty="0"/>
           </a:p>
         </p:txBody>
       </p:sp>
@@ -3605,7 +3549,7 @@
           </a:bodyPr>
           <a:lstStyle/>
           <a:p>
-            <a:pPr algn="ctr" defTabSz="217618"/>
+            <a:pPr algn="ctr" defTabSz="217805"/>
             <a:r>
               <a:rPr lang="en-US" sz="2400" dirty="0">
                 <a:latin typeface="Arial" panose="020B0604020202020204" pitchFamily="34" charset="0"/>
@@ -3613,49 +3557,23 @@
               </a:rPr>
               <a:t>Paper &amp; Code</a:t>
             </a:r>
+            <a:endParaRPr lang="en-US" sz="2400" dirty="0">
+              <a:latin typeface="Arial" panose="020B0604020202020204" pitchFamily="34" charset="0"/>
+              <a:cs typeface="Arial" panose="020B0604020202020204" pitchFamily="34" charset="0"/>
+            </a:endParaRPr>
           </a:p>
         </p:txBody>
       </p:sp>
       <p:pic>
         <p:nvPicPr>
-          <p:cNvPr id="4" name="Picture 3"/>
+          <p:cNvPr id="18" name="Picture 17"/>
           <p:cNvPicPr>
             <a:picLocks noChangeAspect="1"/>
           </p:cNvPicPr>
           <p:nvPr/>
         </p:nvPicPr>
         <p:blipFill>
-          <a:blip r:embed="rId3"/>
-          <a:stretch>
-            <a:fillRect/>
-          </a:stretch>
-        </p:blipFill>
-        <p:spPr>
-          <a:xfrm>
-            <a:off x="275835" y="312032"/>
-            <a:ext cx="1516998" cy="1516998"/>
-          </a:xfrm>
-          <a:prstGeom prst="rect">
-            <a:avLst/>
-          </a:prstGeom>
-        </p:spPr>
-      </p:pic>
-      <p:pic>
-        <p:nvPicPr>
-          <p:cNvPr id="18" name="Picture 17">
-            <a:extLst>
-              <a:ext uri="{FF2B5EF4-FFF2-40B4-BE49-F238E27FC236}">
-                <a16:creationId xmlns:a16="http://schemas.microsoft.com/office/drawing/2014/main" id="{06A85A9B-69C5-4D35-935D-EC69F0F607CF}"/>
-              </a:ext>
-            </a:extLst>
-          </p:cNvPr>
-          <p:cNvPicPr>
-            <a:picLocks noChangeAspect="1"/>
-          </p:cNvPicPr>
-          <p:nvPr/>
-        </p:nvPicPr>
-        <p:blipFill>
-          <a:blip r:embed="rId4" cstate="print">
+          <a:blip r:embed="rId1" cstate="print">
             <a:extLst>
               <a:ext uri="{28A0092B-C50C-407E-A947-70E740481C1C}">
                 <a14:useLocalDpi xmlns:a14="http://schemas.microsoft.com/office/drawing/2010/main" val="0"/>
@@ -3678,13 +3596,7 @@
       </p:pic>
       <p:sp>
         <p:nvSpPr>
-          <p:cNvPr id="48" name="TextBox 38">
-            <a:extLst>
-              <a:ext uri="{FF2B5EF4-FFF2-40B4-BE49-F238E27FC236}">
-                <a16:creationId xmlns:a16="http://schemas.microsoft.com/office/drawing/2014/main" id="{C177ABF1-EBCF-4508-9C02-6965619BCD83}"/>
-              </a:ext>
-            </a:extLst>
-          </p:cNvPr>
+          <p:cNvPr id="48" name="TextBox 38"/>
           <p:cNvSpPr txBox="1"/>
           <p:nvPr/>
         </p:nvSpPr>
@@ -3753,19 +3665,13 @@
       </p:sp>
       <p:sp>
         <p:nvSpPr>
-          <p:cNvPr id="49" name="TextBox 38">
-            <a:extLst>
-              <a:ext uri="{FF2B5EF4-FFF2-40B4-BE49-F238E27FC236}">
-                <a16:creationId xmlns:a16="http://schemas.microsoft.com/office/drawing/2014/main" id="{F363802A-ABBD-4DEC-B6FB-7F0F3252DC95}"/>
-              </a:ext>
-            </a:extLst>
-          </p:cNvPr>
+          <p:cNvPr id="49" name="TextBox 38"/>
           <p:cNvSpPr txBox="1"/>
           <p:nvPr/>
         </p:nvSpPr>
         <p:spPr>
           <a:xfrm>
-            <a:off x="11506203" y="24382016"/>
+            <a:off x="11506203" y="24606806"/>
             <a:ext cx="10126979" cy="584775"/>
           </a:xfrm>
           <a:prstGeom prst="rect">
@@ -3822,18 +3728,13 @@
               <a:rPr lang="en-US" dirty="0"/>
               <a:t>Preliminaries</a:t>
             </a:r>
-          </a:p>
-        </p:txBody>
-      </p:sp>
-      <p:sp>
-        <p:nvSpPr>
-          <p:cNvPr id="51" name="TextBox 38">
-            <a:extLst>
-              <a:ext uri="{FF2B5EF4-FFF2-40B4-BE49-F238E27FC236}">
-                <a16:creationId xmlns:a16="http://schemas.microsoft.com/office/drawing/2014/main" id="{30513376-FC47-4697-9DD4-6A9967E4197C}"/>
-              </a:ext>
-            </a:extLst>
-          </p:cNvPr>
+            <a:endParaRPr lang="en-US" dirty="0"/>
+          </a:p>
+        </p:txBody>
+      </p:sp>
+      <p:sp>
+        <p:nvSpPr>
+          <p:cNvPr id="51" name="TextBox 38"/>
           <p:cNvSpPr txBox="1"/>
           <p:nvPr/>
         </p:nvSpPr>
@@ -3902,19 +3803,13 @@
       </p:sp>
       <p:sp>
         <p:nvSpPr>
-          <p:cNvPr id="53" name="TextBox 38">
-            <a:extLst>
-              <a:ext uri="{FF2B5EF4-FFF2-40B4-BE49-F238E27FC236}">
-                <a16:creationId xmlns:a16="http://schemas.microsoft.com/office/drawing/2014/main" id="{E6A2CB27-EF43-4A04-BCF2-F09AAE50BF09}"/>
-              </a:ext>
-            </a:extLst>
-          </p:cNvPr>
+          <p:cNvPr id="53" name="TextBox 38"/>
           <p:cNvSpPr txBox="1"/>
           <p:nvPr/>
         </p:nvSpPr>
         <p:spPr>
           <a:xfrm>
-            <a:off x="11506198" y="15130510"/>
+            <a:off x="11487783" y="12970240"/>
             <a:ext cx="10126979" cy="584775"/>
           </a:xfrm>
           <a:prstGeom prst="rect">
@@ -3977,13 +3872,7 @@
       </p:sp>
       <p:sp>
         <p:nvSpPr>
-          <p:cNvPr id="56" name="TextBox 55">
-            <a:extLst>
-              <a:ext uri="{FF2B5EF4-FFF2-40B4-BE49-F238E27FC236}">
-                <a16:creationId xmlns:a16="http://schemas.microsoft.com/office/drawing/2014/main" id="{B160363B-ABE7-4157-ADB6-9CA3F92F3271}"/>
-              </a:ext>
-            </a:extLst>
-          </p:cNvPr>
+          <p:cNvPr id="56" name="TextBox 55"/>
           <p:cNvSpPr txBox="1"/>
           <p:nvPr/>
         </p:nvSpPr>
@@ -4021,7 +3910,7 @@
           </a:bodyPr>
           <a:lstStyle/>
           <a:p>
-            <a:pPr algn="ctr" defTabSz="217618"/>
+            <a:pPr algn="ctr" defTabSz="217805"/>
             <a:r>
               <a:rPr lang="en-US" sz="2400" dirty="0">
                 <a:latin typeface="Arial" panose="020B0604020202020204" pitchFamily="34" charset="0"/>
@@ -4029,25 +3918,23 @@
               </a:rPr>
               <a:t>ICML24-FMHAIA</a:t>
             </a:r>
-          </a:p>
-        </p:txBody>
-      </p:sp>
-      <p:sp>
-        <p:nvSpPr>
-          <p:cNvPr id="57" name="TextBox 39">
-            <a:extLst>
-              <a:ext uri="{FF2B5EF4-FFF2-40B4-BE49-F238E27FC236}">
-                <a16:creationId xmlns:a16="http://schemas.microsoft.com/office/drawing/2014/main" id="{6A1729F4-E483-4FAC-ACC3-9396E61630ED}"/>
-              </a:ext>
-            </a:extLst>
-          </p:cNvPr>
+            <a:endParaRPr lang="en-US" sz="2400" dirty="0">
+              <a:latin typeface="Arial" panose="020B0604020202020204" pitchFamily="34" charset="0"/>
+              <a:cs typeface="Arial" panose="020B0604020202020204" pitchFamily="34" charset="0"/>
+            </a:endParaRPr>
+          </a:p>
+        </p:txBody>
+      </p:sp>
+      <p:sp>
+        <p:nvSpPr>
+          <p:cNvPr id="57" name="TextBox 39"/>
           <p:cNvSpPr txBox="1"/>
           <p:nvPr/>
         </p:nvSpPr>
         <p:spPr>
           <a:xfrm>
             <a:off x="275835" y="3755100"/>
-            <a:ext cx="9986842" cy="5521512"/>
+            <a:ext cx="9986842" cy="5003165"/>
           </a:xfrm>
           <a:prstGeom prst="rect">
             <a:avLst/>
@@ -4077,12 +3964,12 @@
             </a:lvl1pPr>
           </a:lstStyle>
           <a:p>
-            <a:pPr marL="457200" indent="-457200" algn="just">
+            <a:pPr indent="0" algn="just">
               <a:buClr>
                 <a:schemeClr val="tx1"/>
               </a:buClr>
               <a:buFont typeface="Wingdings" panose="05000000000000000000" pitchFamily="2" charset="2"/>
-              <a:buChar char="q"/>
+              <a:buNone/>
             </a:pPr>
             <a:r>
               <a:rPr lang="en-US" sz="2800" dirty="0">
@@ -4094,6 +3981,13 @@
               </a:rPr>
               <a:t>We proposed an aligning method to align the large language model with the preference of a group of people. To this end:</a:t>
             </a:r>
+            <a:endParaRPr lang="en-US" sz="2800" dirty="0">
+              <a:solidFill>
+                <a:schemeClr val="tx1"/>
+              </a:solidFill>
+              <a:latin typeface="Arial" panose="020B0604020202020204" pitchFamily="34" charset="0"/>
+              <a:cs typeface="Arial" panose="020B0604020202020204" pitchFamily="34" charset="0"/>
+            </a:endParaRPr>
           </a:p>
           <a:p>
             <a:pPr marL="914400" lvl="1" indent="-457200" algn="just">
@@ -4113,6 +4007,13 @@
               </a:rPr>
               <a:t>We proposed a distributional preference model to incorporate the preferences of the human group.</a:t>
             </a:r>
+            <a:endParaRPr lang="en-US" sz="2800" dirty="0">
+              <a:solidFill>
+                <a:schemeClr val="tx1"/>
+              </a:solidFill>
+              <a:latin typeface="Arial" panose="020B0604020202020204" pitchFamily="34" charset="0"/>
+              <a:cs typeface="Arial" panose="020B0604020202020204" pitchFamily="34" charset="0"/>
+            </a:endParaRPr>
           </a:p>
           <a:p>
             <a:pPr marL="914400" lvl="1" indent="-457200" algn="just">
@@ -4129,6 +4030,10 @@
               </a:rPr>
               <a:t>On top of the preference model, we build a reward model to learn such group preference.</a:t>
             </a:r>
+            <a:endParaRPr lang="en-US" sz="2800" dirty="0">
+              <a:latin typeface="Arial" panose="020B0604020202020204" pitchFamily="34" charset="0"/>
+              <a:cs typeface="Arial" panose="020B0604020202020204" pitchFamily="34" charset="0"/>
+            </a:endParaRPr>
           </a:p>
           <a:p>
             <a:pPr marL="914400" lvl="1" indent="-457200" algn="just">
@@ -4148,6 +4053,13 @@
               </a:rPr>
               <a:t>Then we use Proximal Policy Optimization (PPO) algorithm to fine-tune the large language model (LLM) to generate contents in favor of the group preference.</a:t>
             </a:r>
+            <a:endParaRPr lang="en-US" sz="2800" dirty="0">
+              <a:solidFill>
+                <a:schemeClr val="tx1"/>
+              </a:solidFill>
+              <a:latin typeface="Arial" panose="020B0604020202020204" pitchFamily="34" charset="0"/>
+              <a:cs typeface="Arial" panose="020B0604020202020204" pitchFamily="34" charset="0"/>
+            </a:endParaRPr>
           </a:p>
           <a:p>
             <a:pPr marL="914400" lvl="1" indent="-457200" algn="just">
@@ -4176,20 +4088,14 @@
       </p:sp>
       <p:pic>
         <p:nvPicPr>
-          <p:cNvPr id="25" name="Picture 24">
-            <a:extLst>
-              <a:ext uri="{FF2B5EF4-FFF2-40B4-BE49-F238E27FC236}">
-                <a16:creationId xmlns:a16="http://schemas.microsoft.com/office/drawing/2014/main" id="{53AD3233-6198-45F8-80D0-C62BDBF59C1D}"/>
-              </a:ext>
-            </a:extLst>
-          </p:cNvPr>
+          <p:cNvPr id="25" name="Picture 24"/>
           <p:cNvPicPr>
             <a:picLocks noChangeAspect="1"/>
           </p:cNvPicPr>
           <p:nvPr/>
         </p:nvPicPr>
         <p:blipFill>
-          <a:blip r:embed="rId5"/>
+          <a:blip r:embed="rId2"/>
           <a:stretch>
             <a:fillRect/>
           </a:stretch>
@@ -4206,13 +4112,7 @@
       </p:pic>
       <p:sp>
         <p:nvSpPr>
-          <p:cNvPr id="27" name="Rectangle 26">
-            <a:extLst>
-              <a:ext uri="{FF2B5EF4-FFF2-40B4-BE49-F238E27FC236}">
-                <a16:creationId xmlns:a16="http://schemas.microsoft.com/office/drawing/2014/main" id="{1510DDC9-1780-4896-88E7-1A9AF380BAE8}"/>
-              </a:ext>
-            </a:extLst>
-          </p:cNvPr>
+          <p:cNvPr id="27" name="Rectangle 26"/>
           <p:cNvSpPr/>
           <p:nvPr/>
         </p:nvSpPr>
@@ -4248,13 +4148,7 @@
       </p:sp>
       <p:sp>
         <p:nvSpPr>
-          <p:cNvPr id="58" name="Rectangle 57">
-            <a:extLst>
-              <a:ext uri="{FF2B5EF4-FFF2-40B4-BE49-F238E27FC236}">
-                <a16:creationId xmlns:a16="http://schemas.microsoft.com/office/drawing/2014/main" id="{8DE0D91F-92A6-4430-BD99-C5B69C67B56B}"/>
-              </a:ext>
-            </a:extLst>
-          </p:cNvPr>
+          <p:cNvPr id="58" name="Rectangle 57"/>
           <p:cNvSpPr/>
           <p:nvPr/>
         </p:nvSpPr>
@@ -4290,20 +4184,14 @@
       </p:sp>
       <p:pic>
         <p:nvPicPr>
-          <p:cNvPr id="28" name="Picture 27">
-            <a:extLst>
-              <a:ext uri="{FF2B5EF4-FFF2-40B4-BE49-F238E27FC236}">
-                <a16:creationId xmlns:a16="http://schemas.microsoft.com/office/drawing/2014/main" id="{EC23F426-39F3-426F-BD98-0B4FB759358E}"/>
-              </a:ext>
-            </a:extLst>
-          </p:cNvPr>
+          <p:cNvPr id="28" name="Picture 27"/>
           <p:cNvPicPr>
             <a:picLocks noChangeAspect="1"/>
           </p:cNvPicPr>
           <p:nvPr/>
         </p:nvPicPr>
         <p:blipFill>
-          <a:blip r:embed="rId6"/>
+          <a:blip r:embed="rId3"/>
           <a:stretch>
             <a:fillRect/>
           </a:stretch>
@@ -4320,20 +4208,14 @@
       </p:pic>
       <p:pic>
         <p:nvPicPr>
-          <p:cNvPr id="31" name="Picture 30">
-            <a:extLst>
-              <a:ext uri="{FF2B5EF4-FFF2-40B4-BE49-F238E27FC236}">
-                <a16:creationId xmlns:a16="http://schemas.microsoft.com/office/drawing/2014/main" id="{CD9C0644-FE64-4185-8FDD-040C5111B68D}"/>
-              </a:ext>
-            </a:extLst>
-          </p:cNvPr>
+          <p:cNvPr id="31" name="Picture 30"/>
           <p:cNvPicPr>
             <a:picLocks noChangeAspect="1"/>
           </p:cNvPicPr>
           <p:nvPr/>
         </p:nvPicPr>
         <p:blipFill>
-          <a:blip r:embed="rId7"/>
+          <a:blip r:embed="rId4"/>
           <a:stretch>
             <a:fillRect/>
           </a:stretch>
@@ -4350,13 +4232,7 @@
       </p:pic>
       <p:sp>
         <p:nvSpPr>
-          <p:cNvPr id="62" name="Rectangle 61">
-            <a:extLst>
-              <a:ext uri="{FF2B5EF4-FFF2-40B4-BE49-F238E27FC236}">
-                <a16:creationId xmlns:a16="http://schemas.microsoft.com/office/drawing/2014/main" id="{47DA2335-E510-4F5A-A74B-6754D5F49D1A}"/>
-              </a:ext>
-            </a:extLst>
-          </p:cNvPr>
+          <p:cNvPr id="62" name="Rectangle 61"/>
           <p:cNvSpPr/>
           <p:nvPr/>
         </p:nvSpPr>
@@ -4392,19 +4268,13 @@
       </p:sp>
       <p:sp>
         <p:nvSpPr>
-          <p:cNvPr id="63" name="TextBox 38">
-            <a:extLst>
-              <a:ext uri="{FF2B5EF4-FFF2-40B4-BE49-F238E27FC236}">
-                <a16:creationId xmlns:a16="http://schemas.microsoft.com/office/drawing/2014/main" id="{0F423FD8-7369-42AB-A3C5-6F949DF6CA24}"/>
-              </a:ext>
-            </a:extLst>
-          </p:cNvPr>
+          <p:cNvPr id="63" name="TextBox 38"/>
           <p:cNvSpPr txBox="1"/>
           <p:nvPr/>
         </p:nvSpPr>
         <p:spPr>
           <a:xfrm>
-            <a:off x="312421" y="15164744"/>
+            <a:off x="312421" y="12608869"/>
             <a:ext cx="10126979" cy="584775"/>
           </a:xfrm>
           <a:prstGeom prst="rect">
@@ -4461,18 +4331,13 @@
               <a:rPr lang="en-US" dirty="0"/>
               <a:t>Distributional Preference Reward modelling</a:t>
             </a:r>
-          </a:p>
-        </p:txBody>
-      </p:sp>
-      <p:sp>
-        <p:nvSpPr>
-          <p:cNvPr id="70" name="Rectangle 69">
-            <a:extLst>
-              <a:ext uri="{FF2B5EF4-FFF2-40B4-BE49-F238E27FC236}">
-                <a16:creationId xmlns:a16="http://schemas.microsoft.com/office/drawing/2014/main" id="{1263CD96-8F95-4A07-BE4C-9B8C185986D4}"/>
-              </a:ext>
-            </a:extLst>
-          </p:cNvPr>
+            <a:endParaRPr lang="en-US" dirty="0"/>
+          </a:p>
+        </p:txBody>
+      </p:sp>
+      <p:sp>
+        <p:nvSpPr>
+          <p:cNvPr id="70" name="Rectangle 69"/>
           <p:cNvSpPr/>
           <p:nvPr/>
         </p:nvSpPr>
@@ -4508,13 +4373,79 @@
       </p:sp>
       <p:pic>
         <p:nvPicPr>
-          <p:cNvPr id="40" name="Picture 39">
-            <a:extLst>
-              <a:ext uri="{FF2B5EF4-FFF2-40B4-BE49-F238E27FC236}">
-                <a16:creationId xmlns:a16="http://schemas.microsoft.com/office/drawing/2014/main" id="{3B951137-6376-4734-99D1-526999BA00AC}"/>
-              </a:ext>
-            </a:extLst>
-          </p:cNvPr>
+          <p:cNvPr id="40" name="Picture 39"/>
+          <p:cNvPicPr>
+            <a:picLocks noChangeAspect="1"/>
+          </p:cNvPicPr>
+          <p:nvPr/>
+        </p:nvPicPr>
+        <p:blipFill>
+          <a:blip r:embed="rId5"/>
+          <a:stretch>
+            <a:fillRect/>
+          </a:stretch>
+        </p:blipFill>
+        <p:spPr>
+          <a:xfrm>
+            <a:off x="13559983" y="30688526"/>
+            <a:ext cx="5432040" cy="1552011"/>
+          </a:xfrm>
+          <a:prstGeom prst="rect">
+            <a:avLst/>
+          </a:prstGeom>
+        </p:spPr>
+      </p:pic>
+      <p:pic>
+        <p:nvPicPr>
+          <p:cNvPr id="42" name="Picture 41"/>
+          <p:cNvPicPr>
+            <a:picLocks noChangeAspect="1"/>
+          </p:cNvPicPr>
+          <p:nvPr/>
+        </p:nvPicPr>
+        <p:blipFill>
+          <a:blip r:embed="rId6"/>
+          <a:stretch>
+            <a:fillRect/>
+          </a:stretch>
+        </p:blipFill>
+        <p:spPr>
+          <a:xfrm>
+            <a:off x="312665" y="13868400"/>
+            <a:ext cx="10163565" cy="3536812"/>
+          </a:xfrm>
+          <a:prstGeom prst="rect">
+            <a:avLst/>
+          </a:prstGeom>
+        </p:spPr>
+      </p:pic>
+      <p:pic>
+        <p:nvPicPr>
+          <p:cNvPr id="43" name="Picture 42"/>
+          <p:cNvPicPr>
+            <a:picLocks noChangeAspect="1"/>
+          </p:cNvPicPr>
+          <p:nvPr/>
+        </p:nvPicPr>
+        <p:blipFill>
+          <a:blip r:embed="rId7"/>
+          <a:stretch>
+            <a:fillRect/>
+          </a:stretch>
+        </p:blipFill>
+        <p:spPr>
+          <a:xfrm>
+            <a:off x="312665" y="25514866"/>
+            <a:ext cx="10163565" cy="2323737"/>
+          </a:xfrm>
+          <a:prstGeom prst="rect">
+            <a:avLst/>
+          </a:prstGeom>
+        </p:spPr>
+      </p:pic>
+      <p:pic>
+        <p:nvPicPr>
+          <p:cNvPr id="44" name="Picture 43"/>
           <p:cNvPicPr>
             <a:picLocks noChangeAspect="1"/>
           </p:cNvPicPr>
@@ -4528,8 +4459,8 @@
         </p:blipFill>
         <p:spPr>
           <a:xfrm>
-            <a:off x="13559983" y="30688526"/>
-            <a:ext cx="5432040" cy="1552011"/>
+            <a:off x="11511281" y="4629880"/>
+            <a:ext cx="10053024" cy="617449"/>
           </a:xfrm>
           <a:prstGeom prst="rect">
             <a:avLst/>
@@ -4538,13 +4469,7 @@
       </p:pic>
       <p:pic>
         <p:nvPicPr>
-          <p:cNvPr id="42" name="Picture 41">
-            <a:extLst>
-              <a:ext uri="{FF2B5EF4-FFF2-40B4-BE49-F238E27FC236}">
-                <a16:creationId xmlns:a16="http://schemas.microsoft.com/office/drawing/2014/main" id="{D7EDAF33-F776-4C68-BE09-52A5917ED2C7}"/>
-              </a:ext>
-            </a:extLst>
-          </p:cNvPr>
+          <p:cNvPr id="45" name="Picture 44"/>
           <p:cNvPicPr>
             <a:picLocks noChangeAspect="1"/>
           </p:cNvPicPr>
@@ -4558,8 +4483,8 @@
         </p:blipFill>
         <p:spPr>
           <a:xfrm>
-            <a:off x="275835" y="16459200"/>
-            <a:ext cx="10163565" cy="3536812"/>
+            <a:off x="11524616" y="11798665"/>
+            <a:ext cx="10090000" cy="809839"/>
           </a:xfrm>
           <a:prstGeom prst="rect">
             <a:avLst/>
@@ -4568,13 +4493,7 @@
       </p:pic>
       <p:pic>
         <p:nvPicPr>
-          <p:cNvPr id="43" name="Picture 42">
-            <a:extLst>
-              <a:ext uri="{FF2B5EF4-FFF2-40B4-BE49-F238E27FC236}">
-                <a16:creationId xmlns:a16="http://schemas.microsoft.com/office/drawing/2014/main" id="{3212017B-23FF-42A3-B6E8-255CE489115B}"/>
-              </a:ext>
-            </a:extLst>
-          </p:cNvPr>
+          <p:cNvPr id="47" name="Picture 46"/>
           <p:cNvPicPr>
             <a:picLocks noChangeAspect="1"/>
           </p:cNvPicPr>
@@ -4588,8 +4507,8 @@
         </p:blipFill>
         <p:spPr>
           <a:xfrm>
-            <a:off x="275835" y="24891931"/>
-            <a:ext cx="10163565" cy="2323737"/>
+            <a:off x="11511281" y="7123569"/>
+            <a:ext cx="10126586" cy="571953"/>
           </a:xfrm>
           <a:prstGeom prst="rect">
             <a:avLst/>
@@ -4598,13 +4517,7 @@
       </p:pic>
       <p:pic>
         <p:nvPicPr>
-          <p:cNvPr id="44" name="Picture 43">
-            <a:extLst>
-              <a:ext uri="{FF2B5EF4-FFF2-40B4-BE49-F238E27FC236}">
-                <a16:creationId xmlns:a16="http://schemas.microsoft.com/office/drawing/2014/main" id="{D0337499-5C5E-42EC-BC3C-29C503A8CDED}"/>
-              </a:ext>
-            </a:extLst>
-          </p:cNvPr>
+          <p:cNvPr id="60" name="Picture 59"/>
           <p:cNvPicPr>
             <a:picLocks noChangeAspect="1"/>
           </p:cNvPicPr>
@@ -4618,8 +4531,8 @@
         </p:blipFill>
         <p:spPr>
           <a:xfrm>
-            <a:off x="11506201" y="4509230"/>
-            <a:ext cx="10053024" cy="617449"/>
+            <a:off x="11487787" y="10008458"/>
+            <a:ext cx="10126586" cy="504827"/>
           </a:xfrm>
           <a:prstGeom prst="rect">
             <a:avLst/>
@@ -4628,13 +4541,7 @@
       </p:pic>
       <p:pic>
         <p:nvPicPr>
-          <p:cNvPr id="45" name="Picture 44">
-            <a:extLst>
-              <a:ext uri="{FF2B5EF4-FFF2-40B4-BE49-F238E27FC236}">
-                <a16:creationId xmlns:a16="http://schemas.microsoft.com/office/drawing/2014/main" id="{1A5910DC-45EF-490A-9CCD-AA3EB3F88457}"/>
-              </a:ext>
-            </a:extLst>
-          </p:cNvPr>
+          <p:cNvPr id="65" name="Picture 64"/>
           <p:cNvPicPr>
             <a:picLocks noChangeAspect="1"/>
           </p:cNvPicPr>
@@ -4648,8 +4555,8 @@
         </p:blipFill>
         <p:spPr>
           <a:xfrm>
-            <a:off x="11506201" y="5964285"/>
-            <a:ext cx="10090000" cy="809839"/>
+            <a:off x="11506198" y="14975516"/>
+            <a:ext cx="10053022" cy="4835534"/>
           </a:xfrm>
           <a:prstGeom prst="rect">
             <a:avLst/>
@@ -4658,13 +4565,7 @@
       </p:pic>
       <p:pic>
         <p:nvPicPr>
-          <p:cNvPr id="47" name="Picture 46">
-            <a:extLst>
-              <a:ext uri="{FF2B5EF4-FFF2-40B4-BE49-F238E27FC236}">
-                <a16:creationId xmlns:a16="http://schemas.microsoft.com/office/drawing/2014/main" id="{AC9F108D-7CB0-4B5B-BD16-7046C92FCDC8}"/>
-              </a:ext>
-            </a:extLst>
-          </p:cNvPr>
+          <p:cNvPr id="66" name="Picture 65"/>
           <p:cNvPicPr>
             <a:picLocks noChangeAspect="1"/>
           </p:cNvPicPr>
@@ -4678,8 +4579,8 @@
         </p:blipFill>
         <p:spPr>
           <a:xfrm>
-            <a:off x="11506201" y="7951609"/>
-            <a:ext cx="10126586" cy="571953"/>
+            <a:off x="275834" y="29206166"/>
+            <a:ext cx="10163565" cy="3257553"/>
           </a:xfrm>
           <a:prstGeom prst="rect">
             <a:avLst/>
@@ -4688,13 +4589,7 @@
       </p:pic>
       <p:pic>
         <p:nvPicPr>
-          <p:cNvPr id="60" name="Picture 59">
-            <a:extLst>
-              <a:ext uri="{FF2B5EF4-FFF2-40B4-BE49-F238E27FC236}">
-                <a16:creationId xmlns:a16="http://schemas.microsoft.com/office/drawing/2014/main" id="{CCD717D8-931F-4E48-9BAC-F3C04616E029}"/>
-              </a:ext>
-            </a:extLst>
-          </p:cNvPr>
+          <p:cNvPr id="67" name="Picture 66"/>
           <p:cNvPicPr>
             <a:picLocks noChangeAspect="1"/>
           </p:cNvPicPr>
@@ -4708,113 +4603,17 @@
         </p:blipFill>
         <p:spPr>
           <a:xfrm>
-            <a:off x="11506202" y="9805893"/>
-            <a:ext cx="10126586" cy="504827"/>
+            <a:off x="11474376" y="20823351"/>
+            <a:ext cx="10126979" cy="2129208"/>
           </a:xfrm>
           <a:prstGeom prst="rect">
             <a:avLst/>
           </a:prstGeom>
         </p:spPr>
       </p:pic>
-      <p:pic>
-        <p:nvPicPr>
-          <p:cNvPr id="65" name="Picture 64">
-            <a:extLst>
-              <a:ext uri="{FF2B5EF4-FFF2-40B4-BE49-F238E27FC236}">
-                <a16:creationId xmlns:a16="http://schemas.microsoft.com/office/drawing/2014/main" id="{7A8189A4-2C69-44B9-A91A-48EAC4D6A8A9}"/>
-              </a:ext>
-            </a:extLst>
-          </p:cNvPr>
-          <p:cNvPicPr>
-            <a:picLocks noChangeAspect="1"/>
-          </p:cNvPicPr>
-          <p:nvPr/>
-        </p:nvPicPr>
-        <p:blipFill>
-          <a:blip r:embed="rId15"/>
-          <a:stretch>
-            <a:fillRect/>
-          </a:stretch>
-        </p:blipFill>
-        <p:spPr>
-          <a:xfrm>
-            <a:off x="11506198" y="16109626"/>
-            <a:ext cx="10053022" cy="4835534"/>
-          </a:xfrm>
-          <a:prstGeom prst="rect">
-            <a:avLst/>
-          </a:prstGeom>
-        </p:spPr>
-      </p:pic>
-      <p:pic>
-        <p:nvPicPr>
-          <p:cNvPr id="66" name="Picture 65">
-            <a:extLst>
-              <a:ext uri="{FF2B5EF4-FFF2-40B4-BE49-F238E27FC236}">
-                <a16:creationId xmlns:a16="http://schemas.microsoft.com/office/drawing/2014/main" id="{1C1A982C-1314-4C5A-9784-F40961920A8A}"/>
-              </a:ext>
-            </a:extLst>
-          </p:cNvPr>
-          <p:cNvPicPr>
-            <a:picLocks noChangeAspect="1"/>
-          </p:cNvPicPr>
-          <p:nvPr/>
-        </p:nvPicPr>
-        <p:blipFill>
-          <a:blip r:embed="rId16"/>
-          <a:stretch>
-            <a:fillRect/>
-          </a:stretch>
-        </p:blipFill>
-        <p:spPr>
-          <a:xfrm>
-            <a:off x="275834" y="29206166"/>
-            <a:ext cx="10163565" cy="3257553"/>
-          </a:xfrm>
-          <a:prstGeom prst="rect">
-            <a:avLst/>
-          </a:prstGeom>
-        </p:spPr>
-      </p:pic>
-      <p:pic>
-        <p:nvPicPr>
-          <p:cNvPr id="67" name="Picture 66">
-            <a:extLst>
-              <a:ext uri="{FF2B5EF4-FFF2-40B4-BE49-F238E27FC236}">
-                <a16:creationId xmlns:a16="http://schemas.microsoft.com/office/drawing/2014/main" id="{F757544C-72A7-4E4B-A3F7-269833EB41AB}"/>
-              </a:ext>
-            </a:extLst>
-          </p:cNvPr>
-          <p:cNvPicPr>
-            <a:picLocks noChangeAspect="1"/>
-          </p:cNvPicPr>
-          <p:nvPr/>
-        </p:nvPicPr>
-        <p:blipFill>
-          <a:blip r:embed="rId17"/>
-          <a:stretch>
-            <a:fillRect/>
-          </a:stretch>
-        </p:blipFill>
-        <p:spPr>
-          <a:xfrm>
-            <a:off x="11487711" y="21477401"/>
-            <a:ext cx="10126979" cy="2129208"/>
-          </a:xfrm>
-          <a:prstGeom prst="rect">
-            <a:avLst/>
-          </a:prstGeom>
-        </p:spPr>
-      </p:pic>
-      <p:sp>
-        <p:nvSpPr>
-          <p:cNvPr id="79" name="TextBox 38">
-            <a:extLst>
-              <a:ext uri="{FF2B5EF4-FFF2-40B4-BE49-F238E27FC236}">
-                <a16:creationId xmlns:a16="http://schemas.microsoft.com/office/drawing/2014/main" id="{5ED22202-04B4-485C-8665-0DD1D85DD50B}"/>
-              </a:ext>
-            </a:extLst>
-          </p:cNvPr>
+      <p:sp>
+        <p:nvSpPr>
+          <p:cNvPr id="79" name="TextBox 38"/>
           <p:cNvSpPr txBox="1"/>
           <p:nvPr/>
         </p:nvSpPr>
@@ -4877,9 +4676,756 @@
               <a:rPr lang="en-US" dirty="0"/>
               <a:t>Synthetic Crowd Preference Data Construction</a:t>
             </a:r>
-          </a:p>
-        </p:txBody>
-      </p:sp>
+            <a:endParaRPr lang="en-US" dirty="0"/>
+          </a:p>
+        </p:txBody>
+      </p:sp>
+      <p:sp>
+        <p:nvSpPr>
+          <p:cNvPr id="2" name="Text Box 1"/>
+          <p:cNvSpPr txBox="1"/>
+          <p:nvPr/>
+        </p:nvSpPr>
+        <p:spPr>
+          <a:xfrm>
+            <a:off x="11464925" y="3777615"/>
+            <a:ext cx="10149840" cy="521970"/>
+          </a:xfrm>
+          <a:prstGeom prst="rect">
+            <a:avLst/>
+          </a:prstGeom>
+          <a:noFill/>
+        </p:spPr>
+        <p:txBody>
+          <a:bodyPr wrap="square" rtlCol="0" anchor="t">
+            <a:spAutoFit/>
+          </a:bodyPr>
+          <a:p>
+            <a:r>
+              <a:rPr lang="en-US" sz="2800" dirty="0">
+                <a:latin typeface="Arial" panose="020B0604020202020204" pitchFamily="34" charset="0"/>
+                <a:cs typeface="Arial" panose="020B0604020202020204" pitchFamily="34" charset="0"/>
+                <a:sym typeface="+mn-ea"/>
+              </a:rPr>
+              <a:t>We formulate the crowd preference as follows:</a:t>
+            </a:r>
+            <a:endParaRPr lang="en-US" sz="2800" dirty="0">
+              <a:latin typeface="Arial" panose="020B0604020202020204" pitchFamily="34" charset="0"/>
+              <a:cs typeface="Arial" panose="020B0604020202020204" pitchFamily="34" charset="0"/>
+              <a:sym typeface="+mn-ea"/>
+            </a:endParaRPr>
+          </a:p>
+        </p:txBody>
+      </p:sp>
+      <p:sp>
+        <p:nvSpPr>
+          <p:cNvPr id="3" name="Text Box 2"/>
+          <p:cNvSpPr txBox="1"/>
+          <p:nvPr>
+            <p:custDataLst>
+              <p:tags r:id="rId15"/>
+            </p:custDataLst>
+          </p:nvPr>
+        </p:nvSpPr>
+        <p:spPr>
+          <a:xfrm>
+            <a:off x="11483340" y="5577840"/>
+            <a:ext cx="10149840" cy="1383665"/>
+          </a:xfrm>
+          <a:prstGeom prst="rect">
+            <a:avLst/>
+          </a:prstGeom>
+          <a:noFill/>
+        </p:spPr>
+        <p:txBody>
+          <a:bodyPr wrap="square" rtlCol="0" anchor="t">
+            <a:spAutoFit/>
+          </a:bodyPr>
+          <a:p>
+            <a:r>
+              <a:rPr lang="en-US" sz="2800" dirty="0">
+                <a:latin typeface="Arial" panose="020B0604020202020204" pitchFamily="34" charset="0"/>
+                <a:cs typeface="Arial" panose="020B0604020202020204" pitchFamily="34" charset="0"/>
+                <a:sym typeface="+mn-ea"/>
+              </a:rPr>
+              <a:t>We have shown that the proposed DPRM is like the conventional BT reward model when the crowd preference is binary:</a:t>
+            </a:r>
+            <a:endParaRPr lang="en-US" sz="2800" dirty="0">
+              <a:latin typeface="Arial" panose="020B0604020202020204" pitchFamily="34" charset="0"/>
+              <a:cs typeface="Arial" panose="020B0604020202020204" pitchFamily="34" charset="0"/>
+              <a:sym typeface="+mn-ea"/>
+            </a:endParaRPr>
+          </a:p>
+        </p:txBody>
+      </p:sp>
+      <mc:AlternateContent xmlns:mc="http://schemas.openxmlformats.org/markup-compatibility/2006">
+        <mc:Choice xmlns:a14="http://schemas.microsoft.com/office/drawing/2010/main" Requires="a14">
+          <p:sp>
+            <p:nvSpPr>
+              <p:cNvPr id="5" name="Text Box 4"/>
+              <p:cNvSpPr txBox="1"/>
+              <p:nvPr>
+                <p:custDataLst>
+                  <p:tags r:id="rId16"/>
+                </p:custDataLst>
+              </p:nvPr>
+            </p:nvSpPr>
+            <p:spPr>
+              <a:xfrm>
+                <a:off x="11487785" y="7929880"/>
+                <a:ext cx="10149840" cy="1846580"/>
+              </a:xfrm>
+              <a:prstGeom prst="rect">
+                <a:avLst/>
+              </a:prstGeom>
+              <a:noFill/>
+            </p:spPr>
+            <p:txBody>
+              <a:bodyPr wrap="square" rtlCol="0" anchor="t">
+                <a:spAutoFit/>
+              </a:bodyPr>
+              <a:p>
+                <a:r>
+                  <a:rPr lang="en-US" sz="2800" dirty="0">
+                    <a:latin typeface="Arial" panose="020B0604020202020204" pitchFamily="34" charset="0"/>
+                    <a:cs typeface="Arial" panose="020B0604020202020204" pitchFamily="34" charset="0"/>
+                    <a:sym typeface="+mn-ea"/>
+                  </a:rPr>
+                  <a:t>Our key theoretical insight:</a:t>
+                </a:r>
+                <a:endParaRPr lang="en-US" sz="2800" dirty="0">
+                  <a:latin typeface="Arial" panose="020B0604020202020204" pitchFamily="34" charset="0"/>
+                  <a:cs typeface="Arial" panose="020B0604020202020204" pitchFamily="34" charset="0"/>
+                  <a:sym typeface="+mn-ea"/>
+                </a:endParaRPr>
+              </a:p>
+              <a:p>
+                <a:r>
+                  <a:rPr lang="en-US" sz="2800" dirty="0">
+                    <a:latin typeface="Arial" panose="020B0604020202020204" pitchFamily="34" charset="0"/>
+                    <a:cs typeface="Arial" panose="020B0604020202020204" pitchFamily="34" charset="0"/>
+                    <a:sym typeface="+mn-ea"/>
+                  </a:rPr>
+                  <a:t>Given a pair of response, if the scalerized reward of our DRPM shows that </a:t>
+                </a:r>
+                <a14:m>
+                  <m:oMath xmlns:m="http://schemas.openxmlformats.org/officeDocument/2006/math">
+                    <m:sSup>
+                      <m:sSupPr>
+                        <m:ctrlPr>
+                          <a:rPr lang="en-US" sz="2800" i="1" dirty="0">
+                            <a:latin typeface="Cambria Math" panose="02040503050406030204" charset="0"/>
+                            <a:cs typeface="Cambria Math" panose="02040503050406030204" charset="0"/>
+                            <a:sym typeface="+mn-ea"/>
+                          </a:rPr>
+                        </m:ctrlPr>
+                      </m:sSupPr>
+                      <m:e>
+                        <m:r>
+                          <a:rPr lang="en-US" sz="2800" i="1" dirty="0">
+                            <a:latin typeface="Cambria Math" panose="02040503050406030204" charset="0"/>
+                            <a:cs typeface="Cambria Math" panose="02040503050406030204" charset="0"/>
+                            <a:sym typeface="+mn-ea"/>
+                          </a:rPr>
+                          <m:t>𝑦</m:t>
+                        </m:r>
+                      </m:e>
+                      <m:sup>
+                        <m:r>
+                          <a:rPr lang="en-US" sz="2800" i="1" dirty="0">
+                            <a:latin typeface="Cambria Math" panose="02040503050406030204" charset="0"/>
+                            <a:cs typeface="Cambria Math" panose="02040503050406030204" charset="0"/>
+                            <a:sym typeface="+mn-ea"/>
+                          </a:rPr>
+                          <m:t>’</m:t>
+                        </m:r>
+                      </m:sup>
+                    </m:sSup>
+                    <m:r>
+                      <a:rPr lang="en-US" sz="2800" i="1" dirty="0">
+                        <a:latin typeface="Cambria Math" panose="02040503050406030204" charset="0"/>
+                        <a:cs typeface="Cambria Math" panose="02040503050406030204" charset="0"/>
+                        <a:sym typeface="+mn-ea"/>
+                      </a:rPr>
+                      <m:t>&gt;</m:t>
+                    </m:r>
+                    <m:r>
+                      <a:rPr lang="en-US" sz="2800" i="1" dirty="0">
+                        <a:latin typeface="Cambria Math" panose="02040503050406030204" charset="0"/>
+                        <a:cs typeface="Cambria Math" panose="02040503050406030204" charset="0"/>
+                        <a:sym typeface="+mn-ea"/>
+                      </a:rPr>
+                      <m:t>𝑦</m:t>
+                    </m:r>
+                  </m:oMath>
+                </a14:m>
+                <a:r>
+                  <a:rPr lang="en-US" sz="2800" dirty="0">
+                    <a:latin typeface="Arial" panose="020B0604020202020204" pitchFamily="34" charset="0"/>
+                    <a:cs typeface="Arial" panose="020B0604020202020204" pitchFamily="34" charset="0"/>
+                    <a:sym typeface="+mn-ea"/>
+                  </a:rPr>
+                  <a:t>, then we can show that </a:t>
+                </a:r>
+                <a14:m>
+                  <m:oMath xmlns:m="http://schemas.openxmlformats.org/officeDocument/2006/math">
+                    <m:sSup>
+                      <m:sSupPr>
+                        <m:ctrlPr>
+                          <a:rPr lang="en-US" sz="2800" i="1" dirty="0">
+                            <a:latin typeface="Cambria Math" panose="02040503050406030204" charset="0"/>
+                            <a:cs typeface="Cambria Math" panose="02040503050406030204" charset="0"/>
+                            <a:sym typeface="+mn-ea"/>
+                          </a:rPr>
+                        </m:ctrlPr>
+                      </m:sSupPr>
+                      <m:e>
+                        <m:r>
+                          <a:rPr lang="en-US" sz="2800" i="1" dirty="0">
+                            <a:latin typeface="Cambria Math" panose="02040503050406030204" charset="0"/>
+                            <a:cs typeface="Cambria Math" panose="02040503050406030204" charset="0"/>
+                            <a:sym typeface="+mn-ea"/>
+                          </a:rPr>
+                          <m:t>𝑦</m:t>
+                        </m:r>
+                      </m:e>
+                      <m:sup>
+                        <m:r>
+                          <a:rPr lang="en-US" sz="2800" i="1" dirty="0">
+                            <a:latin typeface="Cambria Math" panose="02040503050406030204" charset="0"/>
+                            <a:cs typeface="Cambria Math" panose="02040503050406030204" charset="0"/>
+                            <a:sym typeface="+mn-ea"/>
+                          </a:rPr>
+                          <m:t>’</m:t>
+                        </m:r>
+                      </m:sup>
+                    </m:sSup>
+                  </m:oMath>
+                </a14:m>
+                <a:r>
+                  <a:rPr lang="en-US" sz="2800" dirty="0">
+                    <a:latin typeface="Arial" panose="020B0604020202020204" pitchFamily="34" charset="0"/>
+                    <a:cs typeface="Arial" panose="020B0604020202020204" pitchFamily="34" charset="0"/>
+                    <a:sym typeface="+mn-ea"/>
+                  </a:rPr>
+                  <a:t> is more favored by the crowd:</a:t>
+                </a:r>
+                <a:endParaRPr lang="en-US" sz="2800" dirty="0">
+                  <a:latin typeface="Arial" panose="020B0604020202020204" pitchFamily="34" charset="0"/>
+                  <a:cs typeface="Arial" panose="020B0604020202020204" pitchFamily="34" charset="0"/>
+                  <a:sym typeface="+mn-ea"/>
+                </a:endParaRPr>
+              </a:p>
+            </p:txBody>
+          </p:sp>
+        </mc:Choice>
+        <mc:Fallback>
+          <p:sp>
+            <p:nvSpPr>
+              <p:cNvPr id="5" name="Text Box 4"/>
+              <p:cNvSpPr txBox="1">
+                <a:spLocks noRot="1" noChangeAspect="1" noMove="1" noResize="1" noEditPoints="1" noAdjustHandles="1" noChangeArrowheads="1" noChangeShapeType="1" noTextEdit="1"/>
+              </p:cNvSpPr>
+              <p:nvPr>
+                <p:custDataLst>
+                  <p:tags r:id="rId17"/>
+                </p:custDataLst>
+              </p:nvPr>
+            </p:nvSpPr>
+            <p:spPr>
+              <a:xfrm>
+                <a:off x="11487785" y="7929880"/>
+                <a:ext cx="10149840" cy="1846580"/>
+              </a:xfrm>
+              <a:prstGeom prst="rect">
+                <a:avLst/>
+              </a:prstGeom>
+              <a:blipFill rotWithShape="1">
+                <a:blip r:embed="rId18"/>
+                <a:stretch>
+                  <a:fillRect/>
+                </a:stretch>
+              </a:blipFill>
+            </p:spPr>
+            <p:txBody>
+              <a:bodyPr/>
+              <a:lstStyle/>
+              <a:p>
+                <a:r>
+                  <a:rPr lang="en-US" altLang="en-US">
+                    <a:noFill/>
+                  </a:rPr>
+                  <a:t> </a:t>
+                </a:r>
+              </a:p>
+            </p:txBody>
+          </p:sp>
+        </mc:Fallback>
+      </mc:AlternateContent>
+      <p:sp>
+        <p:nvSpPr>
+          <p:cNvPr id="6" name="Text Box 5"/>
+          <p:cNvSpPr txBox="1"/>
+          <p:nvPr>
+            <p:custDataLst>
+              <p:tags r:id="rId19"/>
+            </p:custDataLst>
+          </p:nvPr>
+        </p:nvSpPr>
+        <p:spPr>
+          <a:xfrm>
+            <a:off x="11483340" y="10744835"/>
+            <a:ext cx="10149840" cy="953135"/>
+          </a:xfrm>
+          <a:prstGeom prst="rect">
+            <a:avLst/>
+          </a:prstGeom>
+          <a:noFill/>
+        </p:spPr>
+        <p:txBody>
+          <a:bodyPr wrap="square" rtlCol="0" anchor="t">
+            <a:spAutoFit/>
+          </a:bodyPr>
+          <a:p>
+            <a:r>
+              <a:rPr lang="en-US" sz="2800" dirty="0">
+                <a:latin typeface="Arial" panose="020B0604020202020204" pitchFamily="34" charset="0"/>
+                <a:cs typeface="Arial" panose="020B0604020202020204" pitchFamily="34" charset="0"/>
+                <a:sym typeface="+mn-ea"/>
+              </a:rPr>
+              <a:t>Our proposed label smoothing method will yield less bias. By “bias” we mean less preference accuracy variations:</a:t>
+            </a:r>
+            <a:endParaRPr lang="en-US" sz="2800" dirty="0">
+              <a:latin typeface="Arial" panose="020B0604020202020204" pitchFamily="34" charset="0"/>
+              <a:cs typeface="Arial" panose="020B0604020202020204" pitchFamily="34" charset="0"/>
+              <a:sym typeface="+mn-ea"/>
+            </a:endParaRPr>
+          </a:p>
+        </p:txBody>
+      </p:sp>
+      <p:sp>
+        <p:nvSpPr>
+          <p:cNvPr id="7" name="Text Box 6"/>
+          <p:cNvSpPr txBox="1"/>
+          <p:nvPr>
+            <p:custDataLst>
+              <p:tags r:id="rId20"/>
+            </p:custDataLst>
+          </p:nvPr>
+        </p:nvSpPr>
+        <p:spPr>
+          <a:xfrm>
+            <a:off x="11524615" y="23087965"/>
+            <a:ext cx="10149840" cy="1383665"/>
+          </a:xfrm>
+          <a:prstGeom prst="rect">
+            <a:avLst/>
+          </a:prstGeom>
+          <a:noFill/>
+        </p:spPr>
+        <p:txBody>
+          <a:bodyPr wrap="square" rtlCol="0" anchor="t">
+            <a:spAutoFit/>
+          </a:bodyPr>
+          <a:p>
+            <a:r>
+              <a:rPr lang="en-US" sz="2800" dirty="0">
+                <a:latin typeface="Arial" panose="020B0604020202020204" pitchFamily="34" charset="0"/>
+                <a:cs typeface="Arial" panose="020B0604020202020204" pitchFamily="34" charset="0"/>
+                <a:sym typeface="+mn-ea"/>
+              </a:rPr>
+              <a:t>GPT4 a</a:t>
+            </a:r>
+            <a:r>
+              <a:rPr lang="en-US" sz="2800" dirty="0">
+                <a:latin typeface="Arial" panose="020B0604020202020204" pitchFamily="34" charset="0"/>
+                <a:cs typeface="Arial" panose="020B0604020202020204" pitchFamily="34" charset="0"/>
+                <a:sym typeface="+mn-ea"/>
+              </a:rPr>
+              <a:t>nd human e</a:t>
+            </a:r>
+            <a:r>
+              <a:rPr lang="en-US" sz="2800" dirty="0">
+                <a:latin typeface="Arial" panose="020B0604020202020204" pitchFamily="34" charset="0"/>
+                <a:cs typeface="Arial" panose="020B0604020202020204" pitchFamily="34" charset="0"/>
+                <a:sym typeface="+mn-ea"/>
+              </a:rPr>
+              <a:t>valuations show that our DPRM yields better responses that are more favored by people with different backgrounds.</a:t>
+            </a:r>
+            <a:endParaRPr lang="en-US" sz="2800" dirty="0">
+              <a:latin typeface="Arial" panose="020B0604020202020204" pitchFamily="34" charset="0"/>
+              <a:cs typeface="Arial" panose="020B0604020202020204" pitchFamily="34" charset="0"/>
+              <a:sym typeface="+mn-ea"/>
+            </a:endParaRPr>
+          </a:p>
+        </p:txBody>
+      </p:sp>
+      <p:sp>
+        <p:nvSpPr>
+          <p:cNvPr id="9" name="Text Box 8"/>
+          <p:cNvSpPr txBox="1"/>
+          <p:nvPr/>
+        </p:nvSpPr>
+        <p:spPr>
+          <a:xfrm>
+            <a:off x="11487785" y="13865225"/>
+            <a:ext cx="10121900" cy="953135"/>
+          </a:xfrm>
+          <a:prstGeom prst="rect">
+            <a:avLst/>
+          </a:prstGeom>
+          <a:noFill/>
+        </p:spPr>
+        <p:txBody>
+          <a:bodyPr wrap="square" rtlCol="0" anchor="t">
+            <a:spAutoFit/>
+          </a:bodyPr>
+          <a:p>
+            <a:r>
+              <a:rPr lang="en-US" sz="2800" dirty="0">
+                <a:latin typeface="Arial" panose="020B0604020202020204" pitchFamily="34" charset="0"/>
+                <a:cs typeface="Arial" panose="020B0604020202020204" pitchFamily="34" charset="0"/>
+                <a:sym typeface="+mn-ea"/>
+              </a:rPr>
+              <a:t>GPT4 evaluation on responses finetuned with different RM using PPO:</a:t>
+            </a:r>
+            <a:endParaRPr lang="en-US" sz="2800" dirty="0">
+              <a:latin typeface="Arial" panose="020B0604020202020204" pitchFamily="34" charset="0"/>
+              <a:cs typeface="Arial" panose="020B0604020202020204" pitchFamily="34" charset="0"/>
+              <a:sym typeface="+mn-ea"/>
+            </a:endParaRPr>
+          </a:p>
+        </p:txBody>
+      </p:sp>
+      <p:sp>
+        <p:nvSpPr>
+          <p:cNvPr id="10" name="Text Box 9"/>
+          <p:cNvSpPr txBox="1"/>
+          <p:nvPr>
+            <p:custDataLst>
+              <p:tags r:id="rId21"/>
+            </p:custDataLst>
+          </p:nvPr>
+        </p:nvSpPr>
+        <p:spPr>
+          <a:xfrm>
+            <a:off x="11524615" y="20047585"/>
+            <a:ext cx="10121900" cy="521970"/>
+          </a:xfrm>
+          <a:prstGeom prst="rect">
+            <a:avLst/>
+          </a:prstGeom>
+          <a:noFill/>
+        </p:spPr>
+        <p:txBody>
+          <a:bodyPr wrap="square" rtlCol="0" anchor="t">
+            <a:spAutoFit/>
+          </a:bodyPr>
+          <a:p>
+            <a:r>
+              <a:rPr lang="en-US" sz="2800" dirty="0">
+                <a:latin typeface="Arial" panose="020B0604020202020204" pitchFamily="34" charset="0"/>
+                <a:cs typeface="Arial" panose="020B0604020202020204" pitchFamily="34" charset="0"/>
+                <a:sym typeface="+mn-ea"/>
+              </a:rPr>
+              <a:t>Human evaluation on OOD test set:</a:t>
+            </a:r>
+            <a:endParaRPr lang="en-US" sz="2800" dirty="0">
+              <a:latin typeface="Arial" panose="020B0604020202020204" pitchFamily="34" charset="0"/>
+              <a:cs typeface="Arial" panose="020B0604020202020204" pitchFamily="34" charset="0"/>
+              <a:sym typeface="+mn-ea"/>
+            </a:endParaRPr>
+          </a:p>
+        </p:txBody>
+      </p:sp>
+      <p:sp>
+        <p:nvSpPr>
+          <p:cNvPr id="11" name="Text Box 10"/>
+          <p:cNvSpPr txBox="1"/>
+          <p:nvPr/>
+        </p:nvSpPr>
+        <p:spPr>
+          <a:xfrm>
+            <a:off x="312420" y="10443210"/>
+            <a:ext cx="10133330" cy="1814830"/>
+          </a:xfrm>
+          <a:prstGeom prst="rect">
+            <a:avLst/>
+          </a:prstGeom>
+          <a:noFill/>
+        </p:spPr>
+        <p:txBody>
+          <a:bodyPr wrap="square" rtlCol="0" anchor="t">
+            <a:spAutoFit/>
+          </a:bodyPr>
+          <a:p>
+            <a:pPr marL="457200" indent="-457200">
+              <a:buFont typeface="Wingdings" panose="05000000000000000000" charset="0"/>
+              <a:buChar char="§"/>
+            </a:pPr>
+            <a:r>
+              <a:rPr lang="en-US" sz="2800" dirty="0">
+                <a:latin typeface="Arial" panose="020B0604020202020204" pitchFamily="34" charset="0"/>
+                <a:cs typeface="Arial" panose="020B0604020202020204" pitchFamily="34" charset="0"/>
+                <a:sym typeface="+mn-ea"/>
+              </a:rPr>
+              <a:t>How to deal with preferences given by a group of people with different characteristics and backgrounds?</a:t>
+            </a:r>
+            <a:endParaRPr lang="en-US" sz="2800" dirty="0">
+              <a:latin typeface="Arial" panose="020B0604020202020204" pitchFamily="34" charset="0"/>
+              <a:cs typeface="Arial" panose="020B0604020202020204" pitchFamily="34" charset="0"/>
+              <a:sym typeface="+mn-ea"/>
+            </a:endParaRPr>
+          </a:p>
+          <a:p>
+            <a:pPr marL="457200" indent="-457200">
+              <a:buFont typeface="Wingdings" panose="05000000000000000000" charset="0"/>
+              <a:buChar char="§"/>
+            </a:pPr>
+            <a:endParaRPr lang="en-US" sz="2800" dirty="0">
+              <a:latin typeface="Arial" panose="020B0604020202020204" pitchFamily="34" charset="0"/>
+              <a:cs typeface="Arial" panose="020B0604020202020204" pitchFamily="34" charset="0"/>
+              <a:sym typeface="+mn-ea"/>
+            </a:endParaRPr>
+          </a:p>
+          <a:p>
+            <a:pPr marL="457200" indent="-457200">
+              <a:buFont typeface="Wingdings" panose="05000000000000000000" charset="0"/>
+              <a:buChar char="§"/>
+            </a:pPr>
+            <a:r>
+              <a:rPr lang="en-US" sz="2800" dirty="0">
+                <a:latin typeface="Arial" panose="020B0604020202020204" pitchFamily="34" charset="0"/>
+                <a:cs typeface="Arial" panose="020B0604020202020204" pitchFamily="34" charset="0"/>
+                <a:sym typeface="+mn-ea"/>
+              </a:rPr>
+              <a:t>How to learn such diverse preferences?</a:t>
+            </a:r>
+            <a:endParaRPr lang="en-US" sz="2800" dirty="0">
+              <a:latin typeface="Arial" panose="020B0604020202020204" pitchFamily="34" charset="0"/>
+              <a:cs typeface="Arial" panose="020B0604020202020204" pitchFamily="34" charset="0"/>
+              <a:sym typeface="+mn-ea"/>
+            </a:endParaRPr>
+          </a:p>
+        </p:txBody>
+      </p:sp>
+      <p:sp>
+        <p:nvSpPr>
+          <p:cNvPr id="12" name="Text Box 11"/>
+          <p:cNvSpPr txBox="1"/>
+          <p:nvPr>
+            <p:custDataLst>
+              <p:tags r:id="rId22"/>
+            </p:custDataLst>
+          </p:nvPr>
+        </p:nvSpPr>
+        <p:spPr>
+          <a:xfrm>
+            <a:off x="312420" y="17996535"/>
+            <a:ext cx="10133330" cy="2245360"/>
+          </a:xfrm>
+          <a:prstGeom prst="rect">
+            <a:avLst/>
+          </a:prstGeom>
+          <a:noFill/>
+        </p:spPr>
+        <p:txBody>
+          <a:bodyPr wrap="square" rtlCol="0" anchor="t">
+            <a:spAutoFit/>
+          </a:bodyPr>
+          <a:p>
+            <a:pPr marL="457200" indent="-457200">
+              <a:buFont typeface="Wingdings" panose="05000000000000000000" charset="0"/>
+              <a:buChar char="§"/>
+            </a:pPr>
+            <a:r>
+              <a:rPr lang="en-US" sz="2800" dirty="0">
+                <a:latin typeface="Arial" panose="020B0604020202020204" pitchFamily="34" charset="0"/>
+                <a:cs typeface="Arial" panose="020B0604020202020204" pitchFamily="34" charset="0"/>
+                <a:sym typeface="+mn-ea"/>
+              </a:rPr>
+              <a:t>We propose to model the diverse preference of a group of people by a preference distribution.</a:t>
+            </a:r>
+            <a:endParaRPr lang="en-US" sz="2800" dirty="0">
+              <a:latin typeface="Arial" panose="020B0604020202020204" pitchFamily="34" charset="0"/>
+              <a:cs typeface="Arial" panose="020B0604020202020204" pitchFamily="34" charset="0"/>
+              <a:sym typeface="+mn-ea"/>
+            </a:endParaRPr>
+          </a:p>
+          <a:p>
+            <a:pPr marL="457200" indent="-457200">
+              <a:buFont typeface="Wingdings" panose="05000000000000000000" charset="0"/>
+              <a:buChar char="§"/>
+            </a:pPr>
+            <a:endParaRPr lang="en-US" sz="2800" dirty="0">
+              <a:latin typeface="Arial" panose="020B0604020202020204" pitchFamily="34" charset="0"/>
+              <a:cs typeface="Arial" panose="020B0604020202020204" pitchFamily="34" charset="0"/>
+              <a:sym typeface="+mn-ea"/>
+            </a:endParaRPr>
+          </a:p>
+          <a:p>
+            <a:pPr marL="457200" indent="-457200">
+              <a:buFont typeface="Wingdings" panose="05000000000000000000" charset="0"/>
+              <a:buChar char="§"/>
+            </a:pPr>
+            <a:r>
+              <a:rPr lang="en-US" sz="2800" dirty="0">
+                <a:latin typeface="Arial" panose="020B0604020202020204" pitchFamily="34" charset="0"/>
+                <a:cs typeface="Arial" panose="020B0604020202020204" pitchFamily="34" charset="0"/>
+                <a:sym typeface="+mn-ea"/>
+              </a:rPr>
+              <a:t>To incorperate the shifted or added preference, we use a distribution updator to update the preference distribution:</a:t>
+            </a:r>
+            <a:endParaRPr lang="en-US" sz="2800" dirty="0">
+              <a:latin typeface="Arial" panose="020B0604020202020204" pitchFamily="34" charset="0"/>
+              <a:cs typeface="Arial" panose="020B0604020202020204" pitchFamily="34" charset="0"/>
+              <a:sym typeface="+mn-ea"/>
+            </a:endParaRPr>
+          </a:p>
+        </p:txBody>
+      </p:sp>
+      <p:pic>
+        <p:nvPicPr>
+          <p:cNvPr id="15" name="Picture 14"/>
+          <p:cNvPicPr>
+            <a:picLocks noChangeAspect="1"/>
+          </p:cNvPicPr>
+          <p:nvPr>
+            <p:custDataLst>
+              <p:tags r:id="rId23"/>
+            </p:custDataLst>
+          </p:nvPr>
+        </p:nvPicPr>
+        <p:blipFill>
+          <a:blip r:embed="rId24"/>
+          <a:stretch>
+            <a:fillRect/>
+          </a:stretch>
+        </p:blipFill>
+        <p:spPr>
+          <a:xfrm>
+            <a:off x="312420" y="20406995"/>
+            <a:ext cx="10126345" cy="2159000"/>
+          </a:xfrm>
+          <a:prstGeom prst="rect">
+            <a:avLst/>
+          </a:prstGeom>
+        </p:spPr>
+      </p:pic>
+      <p:sp>
+        <p:nvSpPr>
+          <p:cNvPr id="16" name="Text Box 15"/>
+          <p:cNvSpPr txBox="1"/>
+          <p:nvPr>
+            <p:custDataLst>
+              <p:tags r:id="rId25"/>
+            </p:custDataLst>
+          </p:nvPr>
+        </p:nvSpPr>
+        <p:spPr>
+          <a:xfrm>
+            <a:off x="269240" y="22946360"/>
+            <a:ext cx="10133330" cy="1383665"/>
+          </a:xfrm>
+          <a:prstGeom prst="rect">
+            <a:avLst/>
+          </a:prstGeom>
+          <a:noFill/>
+        </p:spPr>
+        <p:txBody>
+          <a:bodyPr wrap="square" rtlCol="0" anchor="t">
+            <a:spAutoFit/>
+          </a:bodyPr>
+          <a:p>
+            <a:pPr marL="457200" indent="-457200">
+              <a:buFont typeface="Wingdings" panose="05000000000000000000" charset="0"/>
+              <a:buChar char="§"/>
+            </a:pPr>
+            <a:r>
+              <a:rPr lang="en-US" sz="2800" dirty="0">
+                <a:latin typeface="Arial" panose="020B0604020202020204" pitchFamily="34" charset="0"/>
+                <a:cs typeface="Arial" panose="020B0604020202020204" pitchFamily="34" charset="0"/>
+                <a:sym typeface="+mn-ea"/>
+              </a:rPr>
+              <a:t>Then, we adopt optimal transportation loss to train the Distributional Preference Reward Model (DPRM) to align the preference distribution.</a:t>
+            </a:r>
+            <a:endParaRPr lang="en-US" sz="2800" dirty="0">
+              <a:latin typeface="Arial" panose="020B0604020202020204" pitchFamily="34" charset="0"/>
+              <a:cs typeface="Arial" panose="020B0604020202020204" pitchFamily="34" charset="0"/>
+              <a:sym typeface="+mn-ea"/>
+            </a:endParaRPr>
+          </a:p>
+        </p:txBody>
+      </p:sp>
+      <p:sp>
+        <p:nvSpPr>
+          <p:cNvPr id="17" name="Text Box 16"/>
+          <p:cNvSpPr txBox="1"/>
+          <p:nvPr>
+            <p:custDataLst>
+              <p:tags r:id="rId26"/>
+            </p:custDataLst>
+          </p:nvPr>
+        </p:nvSpPr>
+        <p:spPr>
+          <a:xfrm>
+            <a:off x="269240" y="24471630"/>
+            <a:ext cx="10704195" cy="953135"/>
+          </a:xfrm>
+          <a:prstGeom prst="rect">
+            <a:avLst/>
+          </a:prstGeom>
+          <a:noFill/>
+        </p:spPr>
+        <p:txBody>
+          <a:bodyPr wrap="square" rtlCol="0" anchor="t">
+            <a:spAutoFit/>
+          </a:bodyPr>
+          <a:p>
+            <a:pPr marL="457200" indent="-457200">
+              <a:buFont typeface="Wingdings" panose="05000000000000000000" charset="0"/>
+              <a:buChar char="§"/>
+            </a:pPr>
+            <a:r>
+              <a:rPr lang="en-US" sz="2800" dirty="0">
+                <a:latin typeface="Arial" panose="020B0604020202020204" pitchFamily="34" charset="0"/>
+                <a:cs typeface="Arial" panose="020B0604020202020204" pitchFamily="34" charset="0"/>
+                <a:sym typeface="+mn-ea"/>
+              </a:rPr>
+              <a:t>Finally, we scalerized the distribution to form a reward signal to fine-tune the LLM via PPO (or other alignment algorithms)</a:t>
+            </a:r>
+            <a:endParaRPr lang="en-US" sz="2800" dirty="0">
+              <a:latin typeface="Arial" panose="020B0604020202020204" pitchFamily="34" charset="0"/>
+              <a:cs typeface="Arial" panose="020B0604020202020204" pitchFamily="34" charset="0"/>
+              <a:sym typeface="+mn-ea"/>
+            </a:endParaRPr>
+          </a:p>
+        </p:txBody>
+      </p:sp>
+      <p:pic>
+        <p:nvPicPr>
+          <p:cNvPr id="13" name="Picture 12"/>
+          <p:cNvPicPr>
+            <a:picLocks noChangeAspect="1"/>
+          </p:cNvPicPr>
+          <p:nvPr/>
+        </p:nvPicPr>
+        <p:blipFill>
+          <a:blip r:embed="rId27"/>
+          <a:stretch>
+            <a:fillRect/>
+          </a:stretch>
+        </p:blipFill>
+        <p:spPr>
+          <a:xfrm>
+            <a:off x="269240" y="215265"/>
+            <a:ext cx="1521418" cy="1517904"/>
+          </a:xfrm>
+          <a:prstGeom prst="rect">
+            <a:avLst/>
+          </a:prstGeom>
+        </p:spPr>
+      </p:pic>
     </p:spTree>
   </p:cSld>
   <p:clrMapOvr>
@@ -4887,6 +5433,66 @@
   </p:clrMapOvr>
   <p:transition spd="med"/>
 </p:sld>
+</file>
+
+<file path=ppt/tags/tag1.xml><?xml version="1.0" encoding="utf-8"?>
+<p:tagLst xmlns:p="http://schemas.openxmlformats.org/presentationml/2006/main">
+  <p:tag name="KSO_WM_BEAUTIFY_FLAG" val=""/>
+</p:tagLst>
+</file>
+
+<file path=ppt/tags/tag10.xml><?xml version="1.0" encoding="utf-8"?>
+<p:tagLst xmlns:p="http://schemas.openxmlformats.org/presentationml/2006/main">
+  <p:tag name="KSO_WM_BEAUTIFY_FLAG" val=""/>
+</p:tagLst>
+</file>
+
+<file path=ppt/tags/tag2.xml><?xml version="1.0" encoding="utf-8"?>
+<p:tagLst xmlns:p="http://schemas.openxmlformats.org/presentationml/2006/main">
+  <p:tag name="KSO_WM_BEAUTIFY_FLAG" val=""/>
+</p:tagLst>
+</file>
+
+<file path=ppt/tags/tag3.xml><?xml version="1.0" encoding="utf-8"?>
+<p:tagLst xmlns:p="http://schemas.openxmlformats.org/presentationml/2006/main">
+  <p:tag name="KSO_WM_BEAUTIFY_FLAG" val=""/>
+</p:tagLst>
+</file>
+
+<file path=ppt/tags/tag4.xml><?xml version="1.0" encoding="utf-8"?>
+<p:tagLst xmlns:p="http://schemas.openxmlformats.org/presentationml/2006/main">
+  <p:tag name="KSO_WM_BEAUTIFY_FLAG" val=""/>
+</p:tagLst>
+</file>
+
+<file path=ppt/tags/tag5.xml><?xml version="1.0" encoding="utf-8"?>
+<p:tagLst xmlns:p="http://schemas.openxmlformats.org/presentationml/2006/main">
+  <p:tag name="KSO_WM_BEAUTIFY_FLAG" val=""/>
+</p:tagLst>
+</file>
+
+<file path=ppt/tags/tag6.xml><?xml version="1.0" encoding="utf-8"?>
+<p:tagLst xmlns:p="http://schemas.openxmlformats.org/presentationml/2006/main">
+  <p:tag name="KSO_WM_BEAUTIFY_FLAG" val=""/>
+</p:tagLst>
+</file>
+
+<file path=ppt/tags/tag7.xml><?xml version="1.0" encoding="utf-8"?>
+<p:tagLst xmlns:p="http://schemas.openxmlformats.org/presentationml/2006/main">
+  <p:tag name="KSO_WM_BEAUTIFY_FLAG" val=""/>
+</p:tagLst>
+</file>
+
+<file path=ppt/tags/tag8.xml><?xml version="1.0" encoding="utf-8"?>
+<p:tagLst xmlns:p="http://schemas.openxmlformats.org/presentationml/2006/main">
+  <p:tag name="KSO_WM_BEAUTIFY_FLAG" val=""/>
+</p:tagLst>
+</file>
+
+<file path=ppt/tags/tag9.xml><?xml version="1.0" encoding="utf-8"?>
+<p:tagLst xmlns:p="http://schemas.openxmlformats.org/presentationml/2006/main">
+  <p:tag name="KSO_WM_BEAUTIFY_FLAG" val=""/>
+</p:tagLst>
 </file>
 
 <file path=ppt/theme/theme1.xml><?xml version="1.0" encoding="utf-8"?>
@@ -4932,7 +5538,7 @@
     </a:clrScheme>
     <a:fontScheme name="Office Theme">
       <a:majorFont>
-        <a:latin typeface="Calibri Light" panose="020F0302020204030204"/>
+        <a:latin typeface="Calibri Light"/>
         <a:ea typeface=""/>
         <a:cs typeface=""/>
         <a:font script="Jpan" typeface="游ゴシック Light"/>
@@ -4967,7 +5573,7 @@
         <a:font script="Geor" typeface="Sylfaen"/>
       </a:majorFont>
       <a:minorFont>
-        <a:latin typeface="Calibri" panose="020F0502020204030204"/>
+        <a:latin typeface="Calibri"/>
         <a:ea typeface=""/>
         <a:cs typeface=""/>
         <a:font script="Jpan" typeface="游ゴシック"/>
@@ -5140,8 +5746,6 @@
       </a:bgFillStyleLst>
     </a:fmtScheme>
   </a:themeElements>
-  <a:objectDefaults/>
-  <a:extraClrSchemeLst/>
   <a:extLst>
     <a:ext uri="{05A4C25C-085E-4340-85A3-A5531E510DB2}">
       <thm15:themeFamily xmlns:thm15="http://schemas.microsoft.com/office/thememl/2012/main" name="Office Theme" id="{62F939B6-93AF-4DB8-9C6B-D6C7DFDC589F}" vid="{4A3C46E8-61CC-4603-A589-7422A47A8E4A}"/>
@@ -6183,7 +6787,6 @@
       </a:style>
     </a:txDef>
   </a:objectDefaults>
-  <a:extraClrSchemeLst/>
   <a:extLst>
     <a:ext uri="{05A4C25C-085E-4340-85A3-A5531E510DB2}">
       <thm15:themeFamily xmlns:thm15="http://schemas.microsoft.com/office/thememl/2012/main" name="Office Theme" id="{62F939B6-93AF-4DB8-9C6B-D6C7DFDC589F}" vid="{4A3C46E8-61CC-4603-A589-7422A47A8E4A}"/>

--- a/ICML-2024-DPRM.pptx
+++ b/ICML-2024-DPRM.pptx
@@ -5404,7 +5404,7 @@
       </p:sp>
       <p:pic>
         <p:nvPicPr>
-          <p:cNvPr id="13" name="Picture 12"/>
+          <p:cNvPr id="4" name="Picture 3"/>
           <p:cNvPicPr>
             <a:picLocks noChangeAspect="1"/>
           </p:cNvPicPr>
@@ -5419,7 +5419,7 @@
         <p:spPr>
           <a:xfrm>
             <a:off x="269240" y="215265"/>
-            <a:ext cx="1521418" cy="1517904"/>
+            <a:ext cx="1528469" cy="1517904"/>
           </a:xfrm>
           <a:prstGeom prst="rect">
             <a:avLst/>
